--- a/rapport/sout_AAS.pptx
+++ b/rapport/sout_AAS.pptx
@@ -19,20 +19,23 @@
     <p:sldId id="265" r:id="rId13"/>
     <p:sldId id="267" r:id="rId14"/>
     <p:sldId id="268" r:id="rId15"/>
-    <p:sldId id="269" r:id="rId16"/>
-    <p:sldId id="270" r:id="rId17"/>
-    <p:sldId id="272" r:id="rId18"/>
-    <p:sldId id="273" r:id="rId19"/>
-    <p:sldId id="274" r:id="rId20"/>
-    <p:sldId id="275" r:id="rId21"/>
-    <p:sldId id="276" r:id="rId22"/>
-    <p:sldId id="277" r:id="rId23"/>
-    <p:sldId id="278" r:id="rId24"/>
-    <p:sldId id="279" r:id="rId25"/>
-    <p:sldId id="283" r:id="rId26"/>
-    <p:sldId id="280" r:id="rId27"/>
-    <p:sldId id="281" r:id="rId28"/>
-    <p:sldId id="282" r:id="rId29"/>
+    <p:sldId id="285" r:id="rId16"/>
+    <p:sldId id="286" r:id="rId17"/>
+    <p:sldId id="288" r:id="rId18"/>
+    <p:sldId id="269" r:id="rId19"/>
+    <p:sldId id="289" r:id="rId20"/>
+    <p:sldId id="270" r:id="rId21"/>
+    <p:sldId id="272" r:id="rId22"/>
+    <p:sldId id="273" r:id="rId23"/>
+    <p:sldId id="274" r:id="rId24"/>
+    <p:sldId id="275" r:id="rId25"/>
+    <p:sldId id="276" r:id="rId26"/>
+    <p:sldId id="277" r:id="rId27"/>
+    <p:sldId id="279" r:id="rId28"/>
+    <p:sldId id="283" r:id="rId29"/>
+    <p:sldId id="280" r:id="rId30"/>
+    <p:sldId id="281" r:id="rId31"/>
+    <p:sldId id="282" r:id="rId32"/>
   </p:sldIdLst>
   <p:sldSz cx="9144000" cy="6858000" type="screen4x3"/>
   <p:notesSz cx="6858000" cy="9144000"/>
@@ -3846,6 +3849,2524 @@
             <p:ph type="title"/>
           </p:nvPr>
         </p:nvSpPr>
+        <p:spPr/>
+        <p:txBody>
+          <a:bodyPr/>
+          <a:lstStyle/>
+          <a:p>
+            <a:r>
+              <a:rPr lang="fr-FR" dirty="0" smtClean="0"/>
+              <a:t>Utilisation d’une bitmap</a:t>
+            </a:r>
+            <a:endParaRPr lang="fr-FR" dirty="0"/>
+          </a:p>
+        </p:txBody>
+      </p:sp>
+      <p:sp>
+        <p:nvSpPr>
+          <p:cNvPr id="3" name="Espace réservé du contenu 2"/>
+          <p:cNvSpPr>
+            <a:spLocks noGrp="1"/>
+          </p:cNvSpPr>
+          <p:nvPr>
+            <p:ph idx="1"/>
+          </p:nvPr>
+        </p:nvSpPr>
+        <p:spPr/>
+        <p:txBody>
+          <a:bodyPr/>
+          <a:lstStyle/>
+          <a:p>
+            <a:r>
+              <a:rPr lang="fr-FR" dirty="0" smtClean="0"/>
+              <a:t>Gestion de l’allocation de la pile</a:t>
+            </a:r>
+          </a:p>
+          <a:p>
+            <a:pPr lvl="1"/>
+            <a:r>
+              <a:rPr lang="fr-FR" dirty="0" smtClean="0"/>
+              <a:t>Joue le rôle d’un index des pages utilisées par les threads du processus auquel est associé l’espace mémoire courant.</a:t>
+            </a:r>
+          </a:p>
+        </p:txBody>
+      </p:sp>
+    </p:spTree>
+    <p:extLst>
+      <p:ext uri="{BB962C8B-B14F-4D97-AF65-F5344CB8AC3E}">
+        <p14:creationId xmlns:p14="http://schemas.microsoft.com/office/powerpoint/2010/main" val="1399036795"/>
+      </p:ext>
+    </p:extLst>
+  </p:cSld>
+  <p:clrMapOvr>
+    <a:masterClrMapping/>
+  </p:clrMapOvr>
+</p:sld>
+</file>
+
+<file path=ppt/slides/slide16.xml><?xml version="1.0" encoding="utf-8"?>
+<p:sld xmlns:a="http://schemas.openxmlformats.org/drawingml/2006/main" xmlns:r="http://schemas.openxmlformats.org/officeDocument/2006/relationships" xmlns:p="http://schemas.openxmlformats.org/presentationml/2006/main">
+  <p:cSld>
+    <p:spTree>
+      <p:nvGrpSpPr>
+        <p:cNvPr id="1" name=""/>
+        <p:cNvGrpSpPr/>
+        <p:nvPr/>
+      </p:nvGrpSpPr>
+      <p:grpSpPr>
+        <a:xfrm>
+          <a:off x="0" y="0"/>
+          <a:ext cx="0" cy="0"/>
+          <a:chOff x="0" y="0"/>
+          <a:chExt cx="0" cy="0"/>
+        </a:xfrm>
+      </p:grpSpPr>
+      <p:sp>
+        <p:nvSpPr>
+          <p:cNvPr id="2" name="Titre 1"/>
+          <p:cNvSpPr>
+            <a:spLocks noGrp="1"/>
+          </p:cNvSpPr>
+          <p:nvPr>
+            <p:ph type="title"/>
+          </p:nvPr>
+        </p:nvSpPr>
+        <p:spPr/>
+        <p:txBody>
+          <a:bodyPr/>
+          <a:lstStyle/>
+          <a:p>
+            <a:endParaRPr lang="fr-FR"/>
+          </a:p>
+        </p:txBody>
+      </p:sp>
+      <p:graphicFrame>
+        <p:nvGraphicFramePr>
+          <p:cNvPr id="5" name="Espace réservé du contenu 4"/>
+          <p:cNvGraphicFramePr>
+            <a:graphicFrameLocks noGrp="1"/>
+          </p:cNvGraphicFramePr>
+          <p:nvPr>
+            <p:ph idx="1"/>
+            <p:extLst>
+              <p:ext uri="{D42A27DB-BD31-4B8C-83A1-F6EECF244321}">
+                <p14:modId xmlns:p14="http://schemas.microsoft.com/office/powerpoint/2010/main" val="2684515290"/>
+              </p:ext>
+            </p:extLst>
+          </p:nvPr>
+        </p:nvGraphicFramePr>
+        <p:xfrm>
+          <a:off x="914400" y="2770188"/>
+          <a:ext cx="7315200" cy="1112520"/>
+        </p:xfrm>
+        <a:graphic>
+          <a:graphicData uri="http://schemas.openxmlformats.org/drawingml/2006/table">
+            <a:tbl>
+              <a:tblPr firstRow="1" bandRow="1">
+                <a:tableStyleId>{073A0DAA-6AF3-43AB-8588-CEC1D06C72B9}</a:tableStyleId>
+              </a:tblPr>
+              <a:tblGrid>
+                <a:gridCol w="1463040"/>
+                <a:gridCol w="1463040"/>
+                <a:gridCol w="1463040"/>
+                <a:gridCol w="1463040"/>
+                <a:gridCol w="1463040"/>
+              </a:tblGrid>
+              <a:tr h="370840">
+                <a:tc>
+                  <a:txBody>
+                    <a:bodyPr/>
+                    <a:lstStyle/>
+                    <a:p>
+                      <a:endParaRPr lang="fr-FR" dirty="0"/>
+                    </a:p>
+                  </a:txBody>
+                  <a:tcPr>
+                    <a:lnL w="12700" cap="flat" cmpd="sng" algn="ctr">
+                      <a:solidFill>
+                        <a:schemeClr val="tx1"/>
+                      </a:solidFill>
+                      <a:prstDash val="solid"/>
+                      <a:round/>
+                      <a:headEnd type="none" w="med" len="med"/>
+                      <a:tailEnd type="none" w="med" len="med"/>
+                    </a:lnL>
+                    <a:lnR w="12700" cap="flat" cmpd="sng" algn="ctr">
+                      <a:solidFill>
+                        <a:schemeClr val="tx1"/>
+                      </a:solidFill>
+                      <a:prstDash val="solid"/>
+                      <a:round/>
+                      <a:headEnd type="none" w="med" len="med"/>
+                      <a:tailEnd type="none" w="med" len="med"/>
+                    </a:lnR>
+                    <a:lnT w="12700" cap="flat" cmpd="sng" algn="ctr">
+                      <a:solidFill>
+                        <a:schemeClr val="tx1"/>
+                      </a:solidFill>
+                      <a:prstDash val="solid"/>
+                      <a:round/>
+                      <a:headEnd type="none" w="med" len="med"/>
+                      <a:tailEnd type="none" w="med" len="med"/>
+                    </a:lnT>
+                    <a:lnB w="12700" cap="flat" cmpd="sng" algn="ctr">
+                      <a:solidFill>
+                        <a:schemeClr val="tx1"/>
+                      </a:solidFill>
+                      <a:prstDash val="solid"/>
+                      <a:round/>
+                      <a:headEnd type="none" w="med" len="med"/>
+                      <a:tailEnd type="none" w="med" len="med"/>
+                    </a:lnB>
+                    <a:solidFill>
+                      <a:schemeClr val="tx1"/>
+                    </a:solidFill>
+                  </a:tcPr>
+                </a:tc>
+                <a:tc>
+                  <a:txBody>
+                    <a:bodyPr/>
+                    <a:lstStyle/>
+                    <a:p>
+                      <a:endParaRPr lang="fr-FR"/>
+                    </a:p>
+                  </a:txBody>
+                  <a:tcPr>
+                    <a:lnL w="12700" cap="flat" cmpd="sng" algn="ctr">
+                      <a:solidFill>
+                        <a:schemeClr val="tx1"/>
+                      </a:solidFill>
+                      <a:prstDash val="solid"/>
+                      <a:round/>
+                      <a:headEnd type="none" w="med" len="med"/>
+                      <a:tailEnd type="none" w="med" len="med"/>
+                    </a:lnL>
+                  </a:tcPr>
+                </a:tc>
+                <a:tc>
+                  <a:txBody>
+                    <a:bodyPr/>
+                    <a:lstStyle/>
+                    <a:p>
+                      <a:endParaRPr lang="fr-FR"/>
+                    </a:p>
+                  </a:txBody>
+                  <a:tcPr/>
+                </a:tc>
+                <a:tc>
+                  <a:txBody>
+                    <a:bodyPr/>
+                    <a:lstStyle/>
+                    <a:p>
+                      <a:endParaRPr lang="fr-FR"/>
+                    </a:p>
+                  </a:txBody>
+                  <a:tcPr/>
+                </a:tc>
+                <a:tc>
+                  <a:txBody>
+                    <a:bodyPr/>
+                    <a:lstStyle/>
+                    <a:p>
+                      <a:endParaRPr lang="fr-FR"/>
+                    </a:p>
+                  </a:txBody>
+                  <a:tcPr/>
+                </a:tc>
+              </a:tr>
+              <a:tr h="370840">
+                <a:tc>
+                  <a:txBody>
+                    <a:bodyPr/>
+                    <a:lstStyle/>
+                    <a:p>
+                      <a:endParaRPr lang="fr-FR"/>
+                    </a:p>
+                  </a:txBody>
+                  <a:tcPr>
+                    <a:lnT w="12700" cap="flat" cmpd="sng" algn="ctr">
+                      <a:solidFill>
+                        <a:schemeClr val="tx1"/>
+                      </a:solidFill>
+                      <a:prstDash val="solid"/>
+                      <a:round/>
+                      <a:headEnd type="none" w="med" len="med"/>
+                      <a:tailEnd type="none" w="med" len="med"/>
+                    </a:lnT>
+                  </a:tcPr>
+                </a:tc>
+                <a:tc>
+                  <a:txBody>
+                    <a:bodyPr/>
+                    <a:lstStyle/>
+                    <a:p>
+                      <a:endParaRPr lang="fr-FR"/>
+                    </a:p>
+                  </a:txBody>
+                  <a:tcPr/>
+                </a:tc>
+                <a:tc>
+                  <a:txBody>
+                    <a:bodyPr/>
+                    <a:lstStyle/>
+                    <a:p>
+                      <a:endParaRPr lang="fr-FR"/>
+                    </a:p>
+                  </a:txBody>
+                  <a:tcPr/>
+                </a:tc>
+                <a:tc>
+                  <a:txBody>
+                    <a:bodyPr/>
+                    <a:lstStyle/>
+                    <a:p>
+                      <a:endParaRPr lang="fr-FR"/>
+                    </a:p>
+                  </a:txBody>
+                  <a:tcPr/>
+                </a:tc>
+                <a:tc>
+                  <a:txBody>
+                    <a:bodyPr/>
+                    <a:lstStyle/>
+                    <a:p>
+                      <a:endParaRPr lang="fr-FR"/>
+                    </a:p>
+                  </a:txBody>
+                  <a:tcPr/>
+                </a:tc>
+              </a:tr>
+              <a:tr h="370840">
+                <a:tc>
+                  <a:txBody>
+                    <a:bodyPr/>
+                    <a:lstStyle/>
+                    <a:p>
+                      <a:endParaRPr lang="fr-FR"/>
+                    </a:p>
+                  </a:txBody>
+                  <a:tcPr/>
+                </a:tc>
+                <a:tc>
+                  <a:txBody>
+                    <a:bodyPr/>
+                    <a:lstStyle/>
+                    <a:p>
+                      <a:endParaRPr lang="fr-FR"/>
+                    </a:p>
+                  </a:txBody>
+                  <a:tcPr/>
+                </a:tc>
+                <a:tc>
+                  <a:txBody>
+                    <a:bodyPr/>
+                    <a:lstStyle/>
+                    <a:p>
+                      <a:endParaRPr lang="fr-FR"/>
+                    </a:p>
+                  </a:txBody>
+                  <a:tcPr/>
+                </a:tc>
+                <a:tc>
+                  <a:txBody>
+                    <a:bodyPr/>
+                    <a:lstStyle/>
+                    <a:p>
+                      <a:endParaRPr lang="fr-FR"/>
+                    </a:p>
+                  </a:txBody>
+                  <a:tcPr/>
+                </a:tc>
+                <a:tc>
+                  <a:txBody>
+                    <a:bodyPr/>
+                    <a:lstStyle/>
+                    <a:p>
+                      <a:endParaRPr lang="fr-FR"/>
+                    </a:p>
+                  </a:txBody>
+                  <a:tcPr/>
+                </a:tc>
+              </a:tr>
+            </a:tbl>
+          </a:graphicData>
+        </a:graphic>
+      </p:graphicFrame>
+      <p:sp>
+        <p:nvSpPr>
+          <p:cNvPr id="4" name="Rectangle 3"/>
+          <p:cNvSpPr/>
+          <p:nvPr/>
+        </p:nvSpPr>
+        <p:spPr>
+          <a:xfrm>
+            <a:off x="251520" y="1340768"/>
+            <a:ext cx="8424936" cy="5184576"/>
+          </a:xfrm>
+          <a:prstGeom prst="rect">
+            <a:avLst/>
+          </a:prstGeom>
+        </p:spPr>
+        <p:style>
+          <a:lnRef idx="2">
+            <a:schemeClr val="accent6"/>
+          </a:lnRef>
+          <a:fillRef idx="1">
+            <a:schemeClr val="lt1"/>
+          </a:fillRef>
+          <a:effectRef idx="0">
+            <a:schemeClr val="accent6"/>
+          </a:effectRef>
+          <a:fontRef idx="minor">
+            <a:schemeClr val="dk1"/>
+          </a:fontRef>
+        </p:style>
+        <p:txBody>
+          <a:bodyPr rtlCol="0" anchor="ctr"/>
+          <a:lstStyle/>
+          <a:p>
+            <a:pPr algn="ctr"/>
+            <a:endParaRPr lang="fr-FR"/>
+          </a:p>
+        </p:txBody>
+      </p:sp>
+      <p:graphicFrame>
+        <p:nvGraphicFramePr>
+          <p:cNvPr id="6" name="Tableau 5"/>
+          <p:cNvGraphicFramePr>
+            <a:graphicFrameLocks noGrp="1"/>
+          </p:cNvGraphicFramePr>
+          <p:nvPr>
+            <p:extLst>
+              <p:ext uri="{D42A27DB-BD31-4B8C-83A1-F6EECF244321}">
+                <p14:modId xmlns:p14="http://schemas.microsoft.com/office/powerpoint/2010/main" val="4009012647"/>
+              </p:ext>
+            </p:extLst>
+          </p:nvPr>
+        </p:nvGraphicFramePr>
+        <p:xfrm>
+          <a:off x="1560004" y="1628800"/>
+          <a:ext cx="6095999" cy="2225040"/>
+        </p:xfrm>
+        <a:graphic>
+          <a:graphicData uri="http://schemas.openxmlformats.org/drawingml/2006/table">
+            <a:tbl>
+              <a:tblPr>
+                <a:tableStyleId>{5C22544A-7EE6-4342-B048-85BDC9FD1C3A}</a:tableStyleId>
+              </a:tblPr>
+              <a:tblGrid>
+                <a:gridCol w="870857"/>
+                <a:gridCol w="870857"/>
+                <a:gridCol w="870857"/>
+                <a:gridCol w="870857"/>
+                <a:gridCol w="870857"/>
+                <a:gridCol w="870857"/>
+                <a:gridCol w="870857"/>
+              </a:tblGrid>
+              <a:tr h="370840">
+                <a:tc>
+                  <a:txBody>
+                    <a:bodyPr/>
+                    <a:lstStyle/>
+                    <a:p>
+                      <a:r>
+                        <a:rPr lang="fr-FR" dirty="0" smtClean="0"/>
+                        <a:t>0</a:t>
+                      </a:r>
+                      <a:endParaRPr lang="fr-FR" dirty="0"/>
+                    </a:p>
+                  </a:txBody>
+                  <a:tcPr/>
+                </a:tc>
+                <a:tc>
+                  <a:txBody>
+                    <a:bodyPr/>
+                    <a:lstStyle/>
+                    <a:p>
+                      <a:r>
+                        <a:rPr lang="fr-FR" dirty="0" smtClean="0"/>
+                        <a:t>0</a:t>
+                      </a:r>
+                      <a:endParaRPr lang="fr-FR" dirty="0"/>
+                    </a:p>
+                  </a:txBody>
+                  <a:tcPr/>
+                </a:tc>
+                <a:tc>
+                  <a:txBody>
+                    <a:bodyPr/>
+                    <a:lstStyle/>
+                    <a:p>
+                      <a:r>
+                        <a:rPr lang="fr-FR" dirty="0" smtClean="0"/>
+                        <a:t>0</a:t>
+                      </a:r>
+                      <a:endParaRPr lang="fr-FR" dirty="0"/>
+                    </a:p>
+                  </a:txBody>
+                  <a:tcPr/>
+                </a:tc>
+                <a:tc>
+                  <a:txBody>
+                    <a:bodyPr/>
+                    <a:lstStyle/>
+                    <a:p>
+                      <a:r>
+                        <a:rPr lang="fr-FR" dirty="0" smtClean="0"/>
+                        <a:t>0</a:t>
+                      </a:r>
+                      <a:endParaRPr lang="fr-FR" dirty="0"/>
+                    </a:p>
+                  </a:txBody>
+                  <a:tcPr>
+                    <a:lnR w="38100" cap="flat" cmpd="sng" algn="ctr">
+                      <a:solidFill>
+                        <a:schemeClr val="tx1"/>
+                      </a:solidFill>
+                      <a:prstDash val="solid"/>
+                      <a:round/>
+                      <a:headEnd type="none" w="med" len="med"/>
+                      <a:tailEnd type="none" w="med" len="med"/>
+                    </a:lnR>
+                  </a:tcPr>
+                </a:tc>
+                <a:tc>
+                  <a:txBody>
+                    <a:bodyPr/>
+                    <a:lstStyle/>
+                    <a:p>
+                      <a:r>
+                        <a:rPr lang="fr-FR" dirty="0" smtClean="0"/>
+                        <a:t>0</a:t>
+                      </a:r>
+                      <a:endParaRPr lang="fr-FR" dirty="0"/>
+                    </a:p>
+                  </a:txBody>
+                  <a:tcPr>
+                    <a:lnL w="38100" cap="flat" cmpd="sng" algn="ctr">
+                      <a:solidFill>
+                        <a:schemeClr val="tx1"/>
+                      </a:solidFill>
+                      <a:prstDash val="solid"/>
+                      <a:round/>
+                      <a:headEnd type="none" w="med" len="med"/>
+                      <a:tailEnd type="none" w="med" len="med"/>
+                    </a:lnL>
+                  </a:tcPr>
+                </a:tc>
+                <a:tc>
+                  <a:txBody>
+                    <a:bodyPr/>
+                    <a:lstStyle/>
+                    <a:p>
+                      <a:r>
+                        <a:rPr lang="fr-FR" dirty="0" smtClean="0"/>
+                        <a:t>0</a:t>
+                      </a:r>
+                      <a:endParaRPr lang="fr-FR" dirty="0"/>
+                    </a:p>
+                  </a:txBody>
+                  <a:tcPr/>
+                </a:tc>
+                <a:tc>
+                  <a:txBody>
+                    <a:bodyPr/>
+                    <a:lstStyle/>
+                    <a:p>
+                      <a:r>
+                        <a:rPr lang="fr-FR" dirty="0" smtClean="0"/>
+                        <a:t>0</a:t>
+                      </a:r>
+                      <a:endParaRPr lang="fr-FR" dirty="0"/>
+                    </a:p>
+                  </a:txBody>
+                  <a:tcPr/>
+                </a:tc>
+              </a:tr>
+              <a:tr h="370840">
+                <a:tc>
+                  <a:txBody>
+                    <a:bodyPr/>
+                    <a:lstStyle/>
+                    <a:p>
+                      <a:r>
+                        <a:rPr lang="fr-FR" dirty="0" smtClean="0"/>
+                        <a:t>0</a:t>
+                      </a:r>
+                      <a:endParaRPr lang="fr-FR" dirty="0"/>
+                    </a:p>
+                  </a:txBody>
+                  <a:tcPr/>
+                </a:tc>
+                <a:tc>
+                  <a:txBody>
+                    <a:bodyPr/>
+                    <a:lstStyle/>
+                    <a:p>
+                      <a:r>
+                        <a:rPr lang="fr-FR" dirty="0" smtClean="0"/>
+                        <a:t>0</a:t>
+                      </a:r>
+                      <a:endParaRPr lang="fr-FR" dirty="0"/>
+                    </a:p>
+                  </a:txBody>
+                  <a:tcPr/>
+                </a:tc>
+                <a:tc>
+                  <a:txBody>
+                    <a:bodyPr/>
+                    <a:lstStyle/>
+                    <a:p>
+                      <a:r>
+                        <a:rPr lang="fr-FR" dirty="0" smtClean="0"/>
+                        <a:t>0</a:t>
+                      </a:r>
+                      <a:endParaRPr lang="fr-FR" dirty="0"/>
+                    </a:p>
+                  </a:txBody>
+                  <a:tcPr/>
+                </a:tc>
+                <a:tc>
+                  <a:txBody>
+                    <a:bodyPr/>
+                    <a:lstStyle/>
+                    <a:p>
+                      <a:r>
+                        <a:rPr lang="fr-FR" dirty="0" smtClean="0"/>
+                        <a:t>0</a:t>
+                      </a:r>
+                      <a:endParaRPr lang="fr-FR" dirty="0"/>
+                    </a:p>
+                  </a:txBody>
+                  <a:tcPr/>
+                </a:tc>
+                <a:tc>
+                  <a:txBody>
+                    <a:bodyPr/>
+                    <a:lstStyle/>
+                    <a:p>
+                      <a:r>
+                        <a:rPr lang="fr-FR" dirty="0" smtClean="0"/>
+                        <a:t>0</a:t>
+                      </a:r>
+                      <a:endParaRPr lang="fr-FR" dirty="0"/>
+                    </a:p>
+                  </a:txBody>
+                  <a:tcPr/>
+                </a:tc>
+                <a:tc>
+                  <a:txBody>
+                    <a:bodyPr/>
+                    <a:lstStyle/>
+                    <a:p>
+                      <a:r>
+                        <a:rPr lang="fr-FR" dirty="0" smtClean="0"/>
+                        <a:t>0</a:t>
+                      </a:r>
+                      <a:endParaRPr lang="fr-FR" dirty="0"/>
+                    </a:p>
+                  </a:txBody>
+                  <a:tcPr/>
+                </a:tc>
+                <a:tc>
+                  <a:txBody>
+                    <a:bodyPr/>
+                    <a:lstStyle/>
+                    <a:p>
+                      <a:r>
+                        <a:rPr lang="fr-FR" dirty="0" smtClean="0"/>
+                        <a:t>0</a:t>
+                      </a:r>
+                      <a:endParaRPr lang="fr-FR" dirty="0"/>
+                    </a:p>
+                  </a:txBody>
+                  <a:tcPr/>
+                </a:tc>
+              </a:tr>
+              <a:tr h="370840">
+                <a:tc>
+                  <a:txBody>
+                    <a:bodyPr/>
+                    <a:lstStyle/>
+                    <a:p>
+                      <a:r>
+                        <a:rPr lang="fr-FR" dirty="0" smtClean="0"/>
+                        <a:t>0</a:t>
+                      </a:r>
+                      <a:endParaRPr lang="fr-FR" dirty="0"/>
+                    </a:p>
+                  </a:txBody>
+                  <a:tcPr/>
+                </a:tc>
+                <a:tc>
+                  <a:txBody>
+                    <a:bodyPr/>
+                    <a:lstStyle/>
+                    <a:p>
+                      <a:r>
+                        <a:rPr lang="fr-FR" dirty="0" smtClean="0"/>
+                        <a:t>0</a:t>
+                      </a:r>
+                      <a:endParaRPr lang="fr-FR" dirty="0"/>
+                    </a:p>
+                  </a:txBody>
+                  <a:tcPr/>
+                </a:tc>
+                <a:tc>
+                  <a:txBody>
+                    <a:bodyPr/>
+                    <a:lstStyle/>
+                    <a:p>
+                      <a:r>
+                        <a:rPr lang="fr-FR" dirty="0" smtClean="0"/>
+                        <a:t>0</a:t>
+                      </a:r>
+                      <a:endParaRPr lang="fr-FR" dirty="0"/>
+                    </a:p>
+                  </a:txBody>
+                  <a:tcPr/>
+                </a:tc>
+                <a:tc>
+                  <a:txBody>
+                    <a:bodyPr/>
+                    <a:lstStyle/>
+                    <a:p>
+                      <a:r>
+                        <a:rPr lang="fr-FR" dirty="0" smtClean="0"/>
+                        <a:t>0</a:t>
+                      </a:r>
+                      <a:endParaRPr lang="fr-FR" dirty="0"/>
+                    </a:p>
+                  </a:txBody>
+                  <a:tcPr/>
+                </a:tc>
+                <a:tc>
+                  <a:txBody>
+                    <a:bodyPr/>
+                    <a:lstStyle/>
+                    <a:p>
+                      <a:r>
+                        <a:rPr lang="fr-FR" dirty="0" smtClean="0"/>
+                        <a:t>0</a:t>
+                      </a:r>
+                      <a:endParaRPr lang="fr-FR" dirty="0"/>
+                    </a:p>
+                  </a:txBody>
+                  <a:tcPr/>
+                </a:tc>
+                <a:tc>
+                  <a:txBody>
+                    <a:bodyPr/>
+                    <a:lstStyle/>
+                    <a:p>
+                      <a:r>
+                        <a:rPr lang="fr-FR" dirty="0" smtClean="0"/>
+                        <a:t>0</a:t>
+                      </a:r>
+                      <a:endParaRPr lang="fr-FR" dirty="0"/>
+                    </a:p>
+                  </a:txBody>
+                  <a:tcPr/>
+                </a:tc>
+                <a:tc>
+                  <a:txBody>
+                    <a:bodyPr/>
+                    <a:lstStyle/>
+                    <a:p>
+                      <a:r>
+                        <a:rPr lang="fr-FR" dirty="0" smtClean="0"/>
+                        <a:t>0</a:t>
+                      </a:r>
+                      <a:endParaRPr lang="fr-FR" dirty="0"/>
+                    </a:p>
+                  </a:txBody>
+                  <a:tcPr/>
+                </a:tc>
+              </a:tr>
+              <a:tr h="370840">
+                <a:tc>
+                  <a:txBody>
+                    <a:bodyPr/>
+                    <a:lstStyle/>
+                    <a:p>
+                      <a:r>
+                        <a:rPr lang="fr-FR" dirty="0" smtClean="0"/>
+                        <a:t>0</a:t>
+                      </a:r>
+                      <a:endParaRPr lang="fr-FR" dirty="0"/>
+                    </a:p>
+                  </a:txBody>
+                  <a:tcPr/>
+                </a:tc>
+                <a:tc>
+                  <a:txBody>
+                    <a:bodyPr/>
+                    <a:lstStyle/>
+                    <a:p>
+                      <a:r>
+                        <a:rPr lang="fr-FR" dirty="0" smtClean="0"/>
+                        <a:t>0</a:t>
+                      </a:r>
+                      <a:endParaRPr lang="fr-FR" dirty="0"/>
+                    </a:p>
+                  </a:txBody>
+                  <a:tcPr/>
+                </a:tc>
+                <a:tc>
+                  <a:txBody>
+                    <a:bodyPr/>
+                    <a:lstStyle/>
+                    <a:p>
+                      <a:r>
+                        <a:rPr lang="fr-FR" dirty="0" smtClean="0"/>
+                        <a:t>0</a:t>
+                      </a:r>
+                      <a:endParaRPr lang="fr-FR" dirty="0"/>
+                    </a:p>
+                  </a:txBody>
+                  <a:tcPr/>
+                </a:tc>
+                <a:tc>
+                  <a:txBody>
+                    <a:bodyPr/>
+                    <a:lstStyle/>
+                    <a:p>
+                      <a:r>
+                        <a:rPr lang="fr-FR" dirty="0" smtClean="0"/>
+                        <a:t>0</a:t>
+                      </a:r>
+                      <a:endParaRPr lang="fr-FR" dirty="0"/>
+                    </a:p>
+                  </a:txBody>
+                  <a:tcPr/>
+                </a:tc>
+                <a:tc>
+                  <a:txBody>
+                    <a:bodyPr/>
+                    <a:lstStyle/>
+                    <a:p>
+                      <a:r>
+                        <a:rPr lang="fr-FR" dirty="0" smtClean="0"/>
+                        <a:t>0</a:t>
+                      </a:r>
+                      <a:endParaRPr lang="fr-FR" dirty="0"/>
+                    </a:p>
+                  </a:txBody>
+                  <a:tcPr/>
+                </a:tc>
+                <a:tc>
+                  <a:txBody>
+                    <a:bodyPr/>
+                    <a:lstStyle/>
+                    <a:p>
+                      <a:r>
+                        <a:rPr lang="fr-FR" dirty="0" smtClean="0"/>
+                        <a:t>0</a:t>
+                      </a:r>
+                      <a:endParaRPr lang="fr-FR" dirty="0"/>
+                    </a:p>
+                  </a:txBody>
+                  <a:tcPr/>
+                </a:tc>
+                <a:tc>
+                  <a:txBody>
+                    <a:bodyPr/>
+                    <a:lstStyle/>
+                    <a:p>
+                      <a:r>
+                        <a:rPr lang="fr-FR" dirty="0" smtClean="0"/>
+                        <a:t>0</a:t>
+                      </a:r>
+                      <a:endParaRPr lang="fr-FR" dirty="0"/>
+                    </a:p>
+                  </a:txBody>
+                  <a:tcPr/>
+                </a:tc>
+              </a:tr>
+              <a:tr h="370840">
+                <a:tc>
+                  <a:txBody>
+                    <a:bodyPr/>
+                    <a:lstStyle/>
+                    <a:p>
+                      <a:r>
+                        <a:rPr lang="fr-FR" dirty="0" smtClean="0"/>
+                        <a:t>0</a:t>
+                      </a:r>
+                      <a:endParaRPr lang="fr-FR" dirty="0"/>
+                    </a:p>
+                  </a:txBody>
+                  <a:tcPr/>
+                </a:tc>
+                <a:tc>
+                  <a:txBody>
+                    <a:bodyPr/>
+                    <a:lstStyle/>
+                    <a:p>
+                      <a:r>
+                        <a:rPr lang="fr-FR" dirty="0" smtClean="0"/>
+                        <a:t>0</a:t>
+                      </a:r>
+                      <a:endParaRPr lang="fr-FR" dirty="0"/>
+                    </a:p>
+                  </a:txBody>
+                  <a:tcPr/>
+                </a:tc>
+                <a:tc>
+                  <a:txBody>
+                    <a:bodyPr/>
+                    <a:lstStyle/>
+                    <a:p>
+                      <a:r>
+                        <a:rPr lang="fr-FR" dirty="0" smtClean="0"/>
+                        <a:t>0</a:t>
+                      </a:r>
+                      <a:endParaRPr lang="fr-FR" dirty="0"/>
+                    </a:p>
+                  </a:txBody>
+                  <a:tcPr/>
+                </a:tc>
+                <a:tc>
+                  <a:txBody>
+                    <a:bodyPr/>
+                    <a:lstStyle/>
+                    <a:p>
+                      <a:r>
+                        <a:rPr lang="fr-FR" dirty="0" smtClean="0"/>
+                        <a:t>0</a:t>
+                      </a:r>
+                      <a:endParaRPr lang="fr-FR" dirty="0"/>
+                    </a:p>
+                  </a:txBody>
+                  <a:tcPr/>
+                </a:tc>
+                <a:tc>
+                  <a:txBody>
+                    <a:bodyPr/>
+                    <a:lstStyle/>
+                    <a:p>
+                      <a:r>
+                        <a:rPr lang="fr-FR" dirty="0" smtClean="0"/>
+                        <a:t>0</a:t>
+                      </a:r>
+                      <a:endParaRPr lang="fr-FR" dirty="0"/>
+                    </a:p>
+                  </a:txBody>
+                  <a:tcPr/>
+                </a:tc>
+                <a:tc>
+                  <a:txBody>
+                    <a:bodyPr/>
+                    <a:lstStyle/>
+                    <a:p>
+                      <a:r>
+                        <a:rPr lang="fr-FR" dirty="0" smtClean="0"/>
+                        <a:t>0</a:t>
+                      </a:r>
+                      <a:endParaRPr lang="fr-FR" dirty="0"/>
+                    </a:p>
+                  </a:txBody>
+                  <a:tcPr/>
+                </a:tc>
+                <a:tc>
+                  <a:txBody>
+                    <a:bodyPr/>
+                    <a:lstStyle/>
+                    <a:p>
+                      <a:r>
+                        <a:rPr lang="fr-FR" dirty="0" smtClean="0"/>
+                        <a:t>0</a:t>
+                      </a:r>
+                      <a:endParaRPr lang="fr-FR" dirty="0"/>
+                    </a:p>
+                  </a:txBody>
+                  <a:tcPr/>
+                </a:tc>
+              </a:tr>
+              <a:tr h="370840">
+                <a:tc>
+                  <a:txBody>
+                    <a:bodyPr/>
+                    <a:lstStyle/>
+                    <a:p>
+                      <a:r>
+                        <a:rPr lang="fr-FR" dirty="0" smtClean="0"/>
+                        <a:t>…</a:t>
+                      </a:r>
+                      <a:endParaRPr lang="fr-FR" dirty="0"/>
+                    </a:p>
+                  </a:txBody>
+                  <a:tcPr/>
+                </a:tc>
+                <a:tc>
+                  <a:txBody>
+                    <a:bodyPr/>
+                    <a:lstStyle/>
+                    <a:p>
+                      <a:r>
+                        <a:rPr lang="fr-FR" dirty="0" smtClean="0"/>
+                        <a:t>…</a:t>
+                      </a:r>
+                      <a:endParaRPr lang="fr-FR" dirty="0"/>
+                    </a:p>
+                  </a:txBody>
+                  <a:tcPr/>
+                </a:tc>
+                <a:tc>
+                  <a:txBody>
+                    <a:bodyPr/>
+                    <a:lstStyle/>
+                    <a:p>
+                      <a:r>
+                        <a:rPr lang="fr-FR" dirty="0" smtClean="0"/>
+                        <a:t>…</a:t>
+                      </a:r>
+                      <a:endParaRPr lang="fr-FR" dirty="0"/>
+                    </a:p>
+                  </a:txBody>
+                  <a:tcPr/>
+                </a:tc>
+                <a:tc>
+                  <a:txBody>
+                    <a:bodyPr/>
+                    <a:lstStyle/>
+                    <a:p>
+                      <a:r>
+                        <a:rPr lang="fr-FR" dirty="0" smtClean="0"/>
+                        <a:t>…</a:t>
+                      </a:r>
+                      <a:endParaRPr lang="fr-FR" dirty="0"/>
+                    </a:p>
+                  </a:txBody>
+                  <a:tcPr/>
+                </a:tc>
+                <a:tc>
+                  <a:txBody>
+                    <a:bodyPr/>
+                    <a:lstStyle/>
+                    <a:p>
+                      <a:r>
+                        <a:rPr lang="fr-FR" dirty="0" smtClean="0"/>
+                        <a:t>…</a:t>
+                      </a:r>
+                      <a:endParaRPr lang="fr-FR" dirty="0"/>
+                    </a:p>
+                  </a:txBody>
+                  <a:tcPr/>
+                </a:tc>
+                <a:tc>
+                  <a:txBody>
+                    <a:bodyPr/>
+                    <a:lstStyle/>
+                    <a:p>
+                      <a:r>
+                        <a:rPr lang="fr-FR" dirty="0" smtClean="0"/>
+                        <a:t>…</a:t>
+                      </a:r>
+                      <a:endParaRPr lang="fr-FR" dirty="0"/>
+                    </a:p>
+                  </a:txBody>
+                  <a:tcPr/>
+                </a:tc>
+                <a:tc>
+                  <a:txBody>
+                    <a:bodyPr/>
+                    <a:lstStyle/>
+                    <a:p>
+                      <a:r>
+                        <a:rPr lang="fr-FR" dirty="0" smtClean="0"/>
+                        <a:t>…</a:t>
+                      </a:r>
+                      <a:endParaRPr lang="fr-FR" dirty="0"/>
+                    </a:p>
+                  </a:txBody>
+                  <a:tcPr/>
+                </a:tc>
+              </a:tr>
+            </a:tbl>
+          </a:graphicData>
+        </a:graphic>
+      </p:graphicFrame>
+      <p:sp>
+        <p:nvSpPr>
+          <p:cNvPr id="8" name="ZoneTexte 7"/>
+          <p:cNvSpPr txBox="1"/>
+          <p:nvPr/>
+        </p:nvSpPr>
+        <p:spPr>
+          <a:xfrm>
+            <a:off x="269330" y="1340768"/>
+            <a:ext cx="5238774" cy="369332"/>
+          </a:xfrm>
+          <a:prstGeom prst="rect">
+            <a:avLst/>
+          </a:prstGeom>
+          <a:noFill/>
+        </p:spPr>
+        <p:txBody>
+          <a:bodyPr wrap="square" rtlCol="0">
+            <a:spAutoFit/>
+          </a:bodyPr>
+          <a:lstStyle/>
+          <a:p>
+            <a:r>
+              <a:rPr lang="fr-FR" dirty="0" smtClean="0">
+                <a:ln>
+                  <a:solidFill>
+                    <a:schemeClr val="bg1"/>
+                  </a:solidFill>
+                </a:ln>
+                <a:solidFill>
+                  <a:schemeClr val="bg1"/>
+                </a:solidFill>
+              </a:rPr>
+              <a:t>Bitmap initiale</a:t>
+            </a:r>
+            <a:endParaRPr lang="fr-FR" dirty="0">
+              <a:ln>
+                <a:solidFill>
+                  <a:schemeClr val="bg1"/>
+                </a:solidFill>
+              </a:ln>
+              <a:solidFill>
+                <a:schemeClr val="bg1"/>
+              </a:solidFill>
+            </a:endParaRPr>
+          </a:p>
+        </p:txBody>
+      </p:sp>
+      <p:pic>
+        <p:nvPicPr>
+          <p:cNvPr id="10" name="Image 9"/>
+          <p:cNvPicPr>
+            <a:picLocks noChangeAspect="1"/>
+          </p:cNvPicPr>
+          <p:nvPr/>
+        </p:nvPicPr>
+        <p:blipFill>
+          <a:blip r:embed="rId2">
+            <a:extLst>
+              <a:ext uri="{28A0092B-C50C-407E-A947-70E740481C1C}">
+                <a14:useLocalDpi xmlns:a14="http://schemas.microsoft.com/office/drawing/2010/main" val="0"/>
+              </a:ext>
+            </a:extLst>
+          </a:blip>
+          <a:stretch>
+            <a:fillRect/>
+          </a:stretch>
+        </p:blipFill>
+        <p:spPr>
+          <a:xfrm>
+            <a:off x="1547664" y="4309621"/>
+            <a:ext cx="5316922" cy="2212632"/>
+          </a:xfrm>
+          <a:prstGeom prst="rect">
+            <a:avLst/>
+          </a:prstGeom>
+        </p:spPr>
+      </p:pic>
+      <p:sp>
+        <p:nvSpPr>
+          <p:cNvPr id="15" name="Titre 1"/>
+          <p:cNvSpPr txBox="1">
+            <a:spLocks/>
+          </p:cNvSpPr>
+          <p:nvPr/>
+        </p:nvSpPr>
+        <p:spPr>
+          <a:xfrm>
+            <a:off x="683568" y="186671"/>
+            <a:ext cx="7315200" cy="1154097"/>
+          </a:xfrm>
+          <a:prstGeom prst="rect">
+            <a:avLst/>
+          </a:prstGeom>
+        </p:spPr>
+        <p:txBody>
+          <a:bodyPr vert="horz" lIns="91440" tIns="45720" rIns="91440" bIns="45720" rtlCol="0" anchor="b">
+            <a:normAutofit/>
+          </a:bodyPr>
+          <a:lstStyle>
+            <a:lvl1pPr algn="l" defTabSz="914400" rtl="0" eaLnBrk="1" latinLnBrk="0" hangingPunct="1">
+              <a:spcBef>
+                <a:spcPct val="0"/>
+              </a:spcBef>
+              <a:buNone/>
+              <a:defRPr sz="4000" kern="1200">
+                <a:solidFill>
+                  <a:schemeClr val="tx2"/>
+                </a:solidFill>
+                <a:latin typeface="+mj-lt"/>
+                <a:ea typeface="+mj-ea"/>
+                <a:cs typeface="+mj-cs"/>
+              </a:defRPr>
+            </a:lvl1pPr>
+            <a:lvl2pPr eaLnBrk="1" hangingPunct="1">
+              <a:defRPr>
+                <a:solidFill>
+                  <a:schemeClr val="tx2"/>
+                </a:solidFill>
+              </a:defRPr>
+            </a:lvl2pPr>
+            <a:lvl3pPr eaLnBrk="1" hangingPunct="1">
+              <a:defRPr>
+                <a:solidFill>
+                  <a:schemeClr val="tx2"/>
+                </a:solidFill>
+              </a:defRPr>
+            </a:lvl3pPr>
+            <a:lvl4pPr eaLnBrk="1" hangingPunct="1">
+              <a:defRPr>
+                <a:solidFill>
+                  <a:schemeClr val="tx2"/>
+                </a:solidFill>
+              </a:defRPr>
+            </a:lvl4pPr>
+            <a:lvl5pPr eaLnBrk="1" hangingPunct="1">
+              <a:defRPr>
+                <a:solidFill>
+                  <a:schemeClr val="tx2"/>
+                </a:solidFill>
+              </a:defRPr>
+            </a:lvl5pPr>
+            <a:lvl6pPr eaLnBrk="1" hangingPunct="1">
+              <a:defRPr>
+                <a:solidFill>
+                  <a:schemeClr val="tx2"/>
+                </a:solidFill>
+              </a:defRPr>
+            </a:lvl6pPr>
+            <a:lvl7pPr eaLnBrk="1" hangingPunct="1">
+              <a:defRPr>
+                <a:solidFill>
+                  <a:schemeClr val="tx2"/>
+                </a:solidFill>
+              </a:defRPr>
+            </a:lvl7pPr>
+            <a:lvl8pPr eaLnBrk="1" hangingPunct="1">
+              <a:defRPr>
+                <a:solidFill>
+                  <a:schemeClr val="tx2"/>
+                </a:solidFill>
+              </a:defRPr>
+            </a:lvl8pPr>
+            <a:lvl9pPr eaLnBrk="1" hangingPunct="1">
+              <a:defRPr>
+                <a:solidFill>
+                  <a:schemeClr val="tx2"/>
+                </a:solidFill>
+              </a:defRPr>
+            </a:lvl9pPr>
+          </a:lstStyle>
+          <a:p>
+            <a:r>
+              <a:rPr lang="fr-FR" dirty="0" smtClean="0"/>
+              <a:t>Initialisation de la bitmap</a:t>
+            </a:r>
+            <a:endParaRPr lang="fr-FR" dirty="0"/>
+          </a:p>
+        </p:txBody>
+      </p:sp>
+    </p:spTree>
+    <p:extLst>
+      <p:ext uri="{BB962C8B-B14F-4D97-AF65-F5344CB8AC3E}">
+        <p14:creationId xmlns:p14="http://schemas.microsoft.com/office/powerpoint/2010/main" val="3714838865"/>
+      </p:ext>
+    </p:extLst>
+  </p:cSld>
+  <p:clrMapOvr>
+    <a:masterClrMapping/>
+  </p:clrMapOvr>
+</p:sld>
+</file>
+
+<file path=ppt/slides/slide17.xml><?xml version="1.0" encoding="utf-8"?>
+<p:sld xmlns:a="http://schemas.openxmlformats.org/drawingml/2006/main" xmlns:r="http://schemas.openxmlformats.org/officeDocument/2006/relationships" xmlns:p="http://schemas.openxmlformats.org/presentationml/2006/main">
+  <p:cSld>
+    <p:spTree>
+      <p:nvGrpSpPr>
+        <p:cNvPr id="1" name=""/>
+        <p:cNvGrpSpPr/>
+        <p:nvPr/>
+      </p:nvGrpSpPr>
+      <p:grpSpPr>
+        <a:xfrm>
+          <a:off x="0" y="0"/>
+          <a:ext cx="0" cy="0"/>
+          <a:chOff x="0" y="0"/>
+          <a:chExt cx="0" cy="0"/>
+        </a:xfrm>
+      </p:grpSpPr>
+      <p:sp>
+        <p:nvSpPr>
+          <p:cNvPr id="2" name="Titre 1"/>
+          <p:cNvSpPr>
+            <a:spLocks noGrp="1"/>
+          </p:cNvSpPr>
+          <p:nvPr>
+            <p:ph type="title"/>
+          </p:nvPr>
+        </p:nvSpPr>
+        <p:spPr/>
+        <p:txBody>
+          <a:bodyPr/>
+          <a:lstStyle/>
+          <a:p>
+            <a:endParaRPr lang="fr-FR"/>
+          </a:p>
+        </p:txBody>
+      </p:sp>
+      <p:graphicFrame>
+        <p:nvGraphicFramePr>
+          <p:cNvPr id="5" name="Espace réservé du contenu 4"/>
+          <p:cNvGraphicFramePr>
+            <a:graphicFrameLocks noGrp="1"/>
+          </p:cNvGraphicFramePr>
+          <p:nvPr>
+            <p:ph idx="1"/>
+            <p:extLst>
+              <p:ext uri="{D42A27DB-BD31-4B8C-83A1-F6EECF244321}">
+                <p14:modId xmlns:p14="http://schemas.microsoft.com/office/powerpoint/2010/main" val="840351806"/>
+              </p:ext>
+            </p:extLst>
+          </p:nvPr>
+        </p:nvGraphicFramePr>
+        <p:xfrm>
+          <a:off x="914400" y="2770188"/>
+          <a:ext cx="7315200" cy="1112520"/>
+        </p:xfrm>
+        <a:graphic>
+          <a:graphicData uri="http://schemas.openxmlformats.org/drawingml/2006/table">
+            <a:tbl>
+              <a:tblPr firstRow="1" bandRow="1">
+                <a:tableStyleId>{073A0DAA-6AF3-43AB-8588-CEC1D06C72B9}</a:tableStyleId>
+              </a:tblPr>
+              <a:tblGrid>
+                <a:gridCol w="1463040"/>
+                <a:gridCol w="1463040"/>
+                <a:gridCol w="1463040"/>
+                <a:gridCol w="1463040"/>
+                <a:gridCol w="1463040"/>
+              </a:tblGrid>
+              <a:tr h="370840">
+                <a:tc>
+                  <a:txBody>
+                    <a:bodyPr/>
+                    <a:lstStyle/>
+                    <a:p>
+                      <a:endParaRPr lang="fr-FR" dirty="0"/>
+                    </a:p>
+                  </a:txBody>
+                  <a:tcPr>
+                    <a:lnL w="12700" cap="flat" cmpd="sng" algn="ctr">
+                      <a:solidFill>
+                        <a:schemeClr val="tx1"/>
+                      </a:solidFill>
+                      <a:prstDash val="solid"/>
+                      <a:round/>
+                      <a:headEnd type="none" w="med" len="med"/>
+                      <a:tailEnd type="none" w="med" len="med"/>
+                    </a:lnL>
+                    <a:lnR w="12700" cap="flat" cmpd="sng" algn="ctr">
+                      <a:solidFill>
+                        <a:schemeClr val="tx1"/>
+                      </a:solidFill>
+                      <a:prstDash val="solid"/>
+                      <a:round/>
+                      <a:headEnd type="none" w="med" len="med"/>
+                      <a:tailEnd type="none" w="med" len="med"/>
+                    </a:lnR>
+                    <a:lnT w="12700" cap="flat" cmpd="sng" algn="ctr">
+                      <a:solidFill>
+                        <a:schemeClr val="tx1"/>
+                      </a:solidFill>
+                      <a:prstDash val="solid"/>
+                      <a:round/>
+                      <a:headEnd type="none" w="med" len="med"/>
+                      <a:tailEnd type="none" w="med" len="med"/>
+                    </a:lnT>
+                    <a:lnB w="12700" cap="flat" cmpd="sng" algn="ctr">
+                      <a:solidFill>
+                        <a:schemeClr val="tx1"/>
+                      </a:solidFill>
+                      <a:prstDash val="solid"/>
+                      <a:round/>
+                      <a:headEnd type="none" w="med" len="med"/>
+                      <a:tailEnd type="none" w="med" len="med"/>
+                    </a:lnB>
+                    <a:solidFill>
+                      <a:schemeClr val="tx1"/>
+                    </a:solidFill>
+                  </a:tcPr>
+                </a:tc>
+                <a:tc>
+                  <a:txBody>
+                    <a:bodyPr/>
+                    <a:lstStyle/>
+                    <a:p>
+                      <a:endParaRPr lang="fr-FR"/>
+                    </a:p>
+                  </a:txBody>
+                  <a:tcPr>
+                    <a:lnL w="12700" cap="flat" cmpd="sng" algn="ctr">
+                      <a:solidFill>
+                        <a:schemeClr val="tx1"/>
+                      </a:solidFill>
+                      <a:prstDash val="solid"/>
+                      <a:round/>
+                      <a:headEnd type="none" w="med" len="med"/>
+                      <a:tailEnd type="none" w="med" len="med"/>
+                    </a:lnL>
+                  </a:tcPr>
+                </a:tc>
+                <a:tc>
+                  <a:txBody>
+                    <a:bodyPr/>
+                    <a:lstStyle/>
+                    <a:p>
+                      <a:endParaRPr lang="fr-FR"/>
+                    </a:p>
+                  </a:txBody>
+                  <a:tcPr/>
+                </a:tc>
+                <a:tc>
+                  <a:txBody>
+                    <a:bodyPr/>
+                    <a:lstStyle/>
+                    <a:p>
+                      <a:endParaRPr lang="fr-FR"/>
+                    </a:p>
+                  </a:txBody>
+                  <a:tcPr/>
+                </a:tc>
+                <a:tc>
+                  <a:txBody>
+                    <a:bodyPr/>
+                    <a:lstStyle/>
+                    <a:p>
+                      <a:endParaRPr lang="fr-FR"/>
+                    </a:p>
+                  </a:txBody>
+                  <a:tcPr/>
+                </a:tc>
+              </a:tr>
+              <a:tr h="370840">
+                <a:tc>
+                  <a:txBody>
+                    <a:bodyPr/>
+                    <a:lstStyle/>
+                    <a:p>
+                      <a:endParaRPr lang="fr-FR"/>
+                    </a:p>
+                  </a:txBody>
+                  <a:tcPr>
+                    <a:lnT w="12700" cap="flat" cmpd="sng" algn="ctr">
+                      <a:solidFill>
+                        <a:schemeClr val="tx1"/>
+                      </a:solidFill>
+                      <a:prstDash val="solid"/>
+                      <a:round/>
+                      <a:headEnd type="none" w="med" len="med"/>
+                      <a:tailEnd type="none" w="med" len="med"/>
+                    </a:lnT>
+                  </a:tcPr>
+                </a:tc>
+                <a:tc>
+                  <a:txBody>
+                    <a:bodyPr/>
+                    <a:lstStyle/>
+                    <a:p>
+                      <a:endParaRPr lang="fr-FR"/>
+                    </a:p>
+                  </a:txBody>
+                  <a:tcPr/>
+                </a:tc>
+                <a:tc>
+                  <a:txBody>
+                    <a:bodyPr/>
+                    <a:lstStyle/>
+                    <a:p>
+                      <a:endParaRPr lang="fr-FR"/>
+                    </a:p>
+                  </a:txBody>
+                  <a:tcPr/>
+                </a:tc>
+                <a:tc>
+                  <a:txBody>
+                    <a:bodyPr/>
+                    <a:lstStyle/>
+                    <a:p>
+                      <a:endParaRPr lang="fr-FR"/>
+                    </a:p>
+                  </a:txBody>
+                  <a:tcPr/>
+                </a:tc>
+                <a:tc>
+                  <a:txBody>
+                    <a:bodyPr/>
+                    <a:lstStyle/>
+                    <a:p>
+                      <a:endParaRPr lang="fr-FR"/>
+                    </a:p>
+                  </a:txBody>
+                  <a:tcPr/>
+                </a:tc>
+              </a:tr>
+              <a:tr h="370840">
+                <a:tc>
+                  <a:txBody>
+                    <a:bodyPr/>
+                    <a:lstStyle/>
+                    <a:p>
+                      <a:endParaRPr lang="fr-FR"/>
+                    </a:p>
+                  </a:txBody>
+                  <a:tcPr/>
+                </a:tc>
+                <a:tc>
+                  <a:txBody>
+                    <a:bodyPr/>
+                    <a:lstStyle/>
+                    <a:p>
+                      <a:endParaRPr lang="fr-FR"/>
+                    </a:p>
+                  </a:txBody>
+                  <a:tcPr/>
+                </a:tc>
+                <a:tc>
+                  <a:txBody>
+                    <a:bodyPr/>
+                    <a:lstStyle/>
+                    <a:p>
+                      <a:endParaRPr lang="fr-FR"/>
+                    </a:p>
+                  </a:txBody>
+                  <a:tcPr/>
+                </a:tc>
+                <a:tc>
+                  <a:txBody>
+                    <a:bodyPr/>
+                    <a:lstStyle/>
+                    <a:p>
+                      <a:endParaRPr lang="fr-FR"/>
+                    </a:p>
+                  </a:txBody>
+                  <a:tcPr/>
+                </a:tc>
+                <a:tc>
+                  <a:txBody>
+                    <a:bodyPr/>
+                    <a:lstStyle/>
+                    <a:p>
+                      <a:endParaRPr lang="fr-FR"/>
+                    </a:p>
+                  </a:txBody>
+                  <a:tcPr/>
+                </a:tc>
+              </a:tr>
+            </a:tbl>
+          </a:graphicData>
+        </a:graphic>
+      </p:graphicFrame>
+      <p:sp>
+        <p:nvSpPr>
+          <p:cNvPr id="4" name="Rectangle 3"/>
+          <p:cNvSpPr/>
+          <p:nvPr/>
+        </p:nvSpPr>
+        <p:spPr>
+          <a:xfrm>
+            <a:off x="251520" y="1340768"/>
+            <a:ext cx="8424936" cy="5184576"/>
+          </a:xfrm>
+          <a:prstGeom prst="rect">
+            <a:avLst/>
+          </a:prstGeom>
+        </p:spPr>
+        <p:style>
+          <a:lnRef idx="2">
+            <a:schemeClr val="accent6"/>
+          </a:lnRef>
+          <a:fillRef idx="1">
+            <a:schemeClr val="lt1"/>
+          </a:fillRef>
+          <a:effectRef idx="0">
+            <a:schemeClr val="accent6"/>
+          </a:effectRef>
+          <a:fontRef idx="minor">
+            <a:schemeClr val="dk1"/>
+          </a:fontRef>
+        </p:style>
+        <p:txBody>
+          <a:bodyPr rtlCol="0" anchor="ctr"/>
+          <a:lstStyle/>
+          <a:p>
+            <a:pPr algn="ctr"/>
+            <a:endParaRPr lang="fr-FR"/>
+          </a:p>
+        </p:txBody>
+      </p:sp>
+      <p:graphicFrame>
+        <p:nvGraphicFramePr>
+          <p:cNvPr id="6" name="Tableau 5"/>
+          <p:cNvGraphicFramePr>
+            <a:graphicFrameLocks noGrp="1"/>
+          </p:cNvGraphicFramePr>
+          <p:nvPr>
+            <p:extLst>
+              <p:ext uri="{D42A27DB-BD31-4B8C-83A1-F6EECF244321}">
+                <p14:modId xmlns:p14="http://schemas.microsoft.com/office/powerpoint/2010/main" val="2146722333"/>
+              </p:ext>
+            </p:extLst>
+          </p:nvPr>
+        </p:nvGraphicFramePr>
+        <p:xfrm>
+          <a:off x="1415988" y="4300304"/>
+          <a:ext cx="6095999" cy="2225040"/>
+        </p:xfrm>
+        <a:graphic>
+          <a:graphicData uri="http://schemas.openxmlformats.org/drawingml/2006/table">
+            <a:tbl>
+              <a:tblPr>
+                <a:tableStyleId>{5C22544A-7EE6-4342-B048-85BDC9FD1C3A}</a:tableStyleId>
+              </a:tblPr>
+              <a:tblGrid>
+                <a:gridCol w="870857"/>
+                <a:gridCol w="870857"/>
+                <a:gridCol w="870857"/>
+                <a:gridCol w="870857"/>
+                <a:gridCol w="870857"/>
+                <a:gridCol w="870857"/>
+                <a:gridCol w="870857"/>
+              </a:tblGrid>
+              <a:tr h="370840">
+                <a:tc>
+                  <a:txBody>
+                    <a:bodyPr/>
+                    <a:lstStyle/>
+                    <a:p>
+                      <a:r>
+                        <a:rPr lang="fr-FR" dirty="0" smtClean="0"/>
+                        <a:t>1</a:t>
+                      </a:r>
+                      <a:endParaRPr lang="fr-FR" dirty="0"/>
+                    </a:p>
+                  </a:txBody>
+                  <a:tcPr/>
+                </a:tc>
+                <a:tc>
+                  <a:txBody>
+                    <a:bodyPr/>
+                    <a:lstStyle/>
+                    <a:p>
+                      <a:r>
+                        <a:rPr lang="fr-FR" dirty="0" smtClean="0"/>
+                        <a:t>1</a:t>
+                      </a:r>
+                      <a:endParaRPr lang="fr-FR" dirty="0"/>
+                    </a:p>
+                  </a:txBody>
+                  <a:tcPr/>
+                </a:tc>
+                <a:tc>
+                  <a:txBody>
+                    <a:bodyPr/>
+                    <a:lstStyle/>
+                    <a:p>
+                      <a:r>
+                        <a:rPr lang="fr-FR" dirty="0" smtClean="0"/>
+                        <a:t>1</a:t>
+                      </a:r>
+                      <a:endParaRPr lang="fr-FR" dirty="0"/>
+                    </a:p>
+                  </a:txBody>
+                  <a:tcPr/>
+                </a:tc>
+                <a:tc>
+                  <a:txBody>
+                    <a:bodyPr/>
+                    <a:lstStyle/>
+                    <a:p>
+                      <a:r>
+                        <a:rPr lang="fr-FR" dirty="0" smtClean="0"/>
+                        <a:t>1</a:t>
+                      </a:r>
+                      <a:endParaRPr lang="fr-FR" dirty="0"/>
+                    </a:p>
+                  </a:txBody>
+                  <a:tcPr>
+                    <a:lnR w="38100" cap="flat" cmpd="sng" algn="ctr">
+                      <a:solidFill>
+                        <a:schemeClr val="tx1"/>
+                      </a:solidFill>
+                      <a:prstDash val="solid"/>
+                      <a:round/>
+                      <a:headEnd type="none" w="med" len="med"/>
+                      <a:tailEnd type="none" w="med" len="med"/>
+                    </a:lnR>
+                  </a:tcPr>
+                </a:tc>
+                <a:tc>
+                  <a:txBody>
+                    <a:bodyPr/>
+                    <a:lstStyle/>
+                    <a:p>
+                      <a:r>
+                        <a:rPr lang="fr-FR" dirty="0" smtClean="0"/>
+                        <a:t>0</a:t>
+                      </a:r>
+                      <a:endParaRPr lang="fr-FR" dirty="0"/>
+                    </a:p>
+                  </a:txBody>
+                  <a:tcPr>
+                    <a:lnL w="38100" cap="flat" cmpd="sng" algn="ctr">
+                      <a:solidFill>
+                        <a:schemeClr val="tx1"/>
+                      </a:solidFill>
+                      <a:prstDash val="solid"/>
+                      <a:round/>
+                      <a:headEnd type="none" w="med" len="med"/>
+                      <a:tailEnd type="none" w="med" len="med"/>
+                    </a:lnL>
+                  </a:tcPr>
+                </a:tc>
+                <a:tc>
+                  <a:txBody>
+                    <a:bodyPr/>
+                    <a:lstStyle/>
+                    <a:p>
+                      <a:r>
+                        <a:rPr lang="fr-FR" dirty="0" smtClean="0"/>
+                        <a:t>0</a:t>
+                      </a:r>
+                      <a:endParaRPr lang="fr-FR" dirty="0"/>
+                    </a:p>
+                  </a:txBody>
+                  <a:tcPr/>
+                </a:tc>
+                <a:tc>
+                  <a:txBody>
+                    <a:bodyPr/>
+                    <a:lstStyle/>
+                    <a:p>
+                      <a:r>
+                        <a:rPr lang="fr-FR" dirty="0" smtClean="0"/>
+                        <a:t>0</a:t>
+                      </a:r>
+                      <a:endParaRPr lang="fr-FR" dirty="0"/>
+                    </a:p>
+                  </a:txBody>
+                  <a:tcPr/>
+                </a:tc>
+              </a:tr>
+              <a:tr h="370840">
+                <a:tc>
+                  <a:txBody>
+                    <a:bodyPr/>
+                    <a:lstStyle/>
+                    <a:p>
+                      <a:r>
+                        <a:rPr lang="fr-FR" dirty="0" smtClean="0"/>
+                        <a:t>0</a:t>
+                      </a:r>
+                      <a:endParaRPr lang="fr-FR" dirty="0"/>
+                    </a:p>
+                  </a:txBody>
+                  <a:tcPr/>
+                </a:tc>
+                <a:tc>
+                  <a:txBody>
+                    <a:bodyPr/>
+                    <a:lstStyle/>
+                    <a:p>
+                      <a:r>
+                        <a:rPr lang="fr-FR" dirty="0" smtClean="0"/>
+                        <a:t>0</a:t>
+                      </a:r>
+                      <a:endParaRPr lang="fr-FR" dirty="0"/>
+                    </a:p>
+                  </a:txBody>
+                  <a:tcPr/>
+                </a:tc>
+                <a:tc>
+                  <a:txBody>
+                    <a:bodyPr/>
+                    <a:lstStyle/>
+                    <a:p>
+                      <a:r>
+                        <a:rPr lang="fr-FR" dirty="0" smtClean="0"/>
+                        <a:t>0</a:t>
+                      </a:r>
+                      <a:endParaRPr lang="fr-FR" dirty="0"/>
+                    </a:p>
+                  </a:txBody>
+                  <a:tcPr/>
+                </a:tc>
+                <a:tc>
+                  <a:txBody>
+                    <a:bodyPr/>
+                    <a:lstStyle/>
+                    <a:p>
+                      <a:r>
+                        <a:rPr lang="fr-FR" dirty="0" smtClean="0"/>
+                        <a:t>0</a:t>
+                      </a:r>
+                      <a:endParaRPr lang="fr-FR" dirty="0"/>
+                    </a:p>
+                  </a:txBody>
+                  <a:tcPr/>
+                </a:tc>
+                <a:tc>
+                  <a:txBody>
+                    <a:bodyPr/>
+                    <a:lstStyle/>
+                    <a:p>
+                      <a:r>
+                        <a:rPr lang="fr-FR" dirty="0" smtClean="0"/>
+                        <a:t>0</a:t>
+                      </a:r>
+                      <a:endParaRPr lang="fr-FR" dirty="0"/>
+                    </a:p>
+                  </a:txBody>
+                  <a:tcPr/>
+                </a:tc>
+                <a:tc>
+                  <a:txBody>
+                    <a:bodyPr/>
+                    <a:lstStyle/>
+                    <a:p>
+                      <a:r>
+                        <a:rPr lang="fr-FR" dirty="0" smtClean="0"/>
+                        <a:t>0</a:t>
+                      </a:r>
+                      <a:endParaRPr lang="fr-FR" dirty="0"/>
+                    </a:p>
+                  </a:txBody>
+                  <a:tcPr/>
+                </a:tc>
+                <a:tc>
+                  <a:txBody>
+                    <a:bodyPr/>
+                    <a:lstStyle/>
+                    <a:p>
+                      <a:r>
+                        <a:rPr lang="fr-FR" dirty="0" smtClean="0"/>
+                        <a:t>0</a:t>
+                      </a:r>
+                      <a:endParaRPr lang="fr-FR" dirty="0"/>
+                    </a:p>
+                  </a:txBody>
+                  <a:tcPr/>
+                </a:tc>
+              </a:tr>
+              <a:tr h="370840">
+                <a:tc>
+                  <a:txBody>
+                    <a:bodyPr/>
+                    <a:lstStyle/>
+                    <a:p>
+                      <a:r>
+                        <a:rPr lang="fr-FR" dirty="0" smtClean="0"/>
+                        <a:t>0</a:t>
+                      </a:r>
+                      <a:endParaRPr lang="fr-FR" dirty="0"/>
+                    </a:p>
+                  </a:txBody>
+                  <a:tcPr/>
+                </a:tc>
+                <a:tc>
+                  <a:txBody>
+                    <a:bodyPr/>
+                    <a:lstStyle/>
+                    <a:p>
+                      <a:r>
+                        <a:rPr lang="fr-FR" dirty="0" smtClean="0"/>
+                        <a:t>0</a:t>
+                      </a:r>
+                      <a:endParaRPr lang="fr-FR" dirty="0"/>
+                    </a:p>
+                  </a:txBody>
+                  <a:tcPr/>
+                </a:tc>
+                <a:tc>
+                  <a:txBody>
+                    <a:bodyPr/>
+                    <a:lstStyle/>
+                    <a:p>
+                      <a:r>
+                        <a:rPr lang="fr-FR" dirty="0" smtClean="0"/>
+                        <a:t>0</a:t>
+                      </a:r>
+                      <a:endParaRPr lang="fr-FR" dirty="0"/>
+                    </a:p>
+                  </a:txBody>
+                  <a:tcPr/>
+                </a:tc>
+                <a:tc>
+                  <a:txBody>
+                    <a:bodyPr/>
+                    <a:lstStyle/>
+                    <a:p>
+                      <a:r>
+                        <a:rPr lang="fr-FR" dirty="0" smtClean="0"/>
+                        <a:t>0</a:t>
+                      </a:r>
+                      <a:endParaRPr lang="fr-FR" dirty="0"/>
+                    </a:p>
+                  </a:txBody>
+                  <a:tcPr/>
+                </a:tc>
+                <a:tc>
+                  <a:txBody>
+                    <a:bodyPr/>
+                    <a:lstStyle/>
+                    <a:p>
+                      <a:r>
+                        <a:rPr lang="fr-FR" dirty="0" smtClean="0"/>
+                        <a:t>0</a:t>
+                      </a:r>
+                      <a:endParaRPr lang="fr-FR" dirty="0"/>
+                    </a:p>
+                  </a:txBody>
+                  <a:tcPr/>
+                </a:tc>
+                <a:tc>
+                  <a:txBody>
+                    <a:bodyPr/>
+                    <a:lstStyle/>
+                    <a:p>
+                      <a:r>
+                        <a:rPr lang="fr-FR" dirty="0" smtClean="0"/>
+                        <a:t>0</a:t>
+                      </a:r>
+                      <a:endParaRPr lang="fr-FR" dirty="0"/>
+                    </a:p>
+                  </a:txBody>
+                  <a:tcPr/>
+                </a:tc>
+                <a:tc>
+                  <a:txBody>
+                    <a:bodyPr/>
+                    <a:lstStyle/>
+                    <a:p>
+                      <a:r>
+                        <a:rPr lang="fr-FR" dirty="0" smtClean="0"/>
+                        <a:t>0</a:t>
+                      </a:r>
+                      <a:endParaRPr lang="fr-FR" dirty="0"/>
+                    </a:p>
+                  </a:txBody>
+                  <a:tcPr/>
+                </a:tc>
+              </a:tr>
+              <a:tr h="370840">
+                <a:tc>
+                  <a:txBody>
+                    <a:bodyPr/>
+                    <a:lstStyle/>
+                    <a:p>
+                      <a:r>
+                        <a:rPr lang="fr-FR" dirty="0" smtClean="0"/>
+                        <a:t>0</a:t>
+                      </a:r>
+                      <a:endParaRPr lang="fr-FR" dirty="0"/>
+                    </a:p>
+                  </a:txBody>
+                  <a:tcPr/>
+                </a:tc>
+                <a:tc>
+                  <a:txBody>
+                    <a:bodyPr/>
+                    <a:lstStyle/>
+                    <a:p>
+                      <a:r>
+                        <a:rPr lang="fr-FR" dirty="0" smtClean="0"/>
+                        <a:t>0</a:t>
+                      </a:r>
+                      <a:endParaRPr lang="fr-FR" dirty="0"/>
+                    </a:p>
+                  </a:txBody>
+                  <a:tcPr/>
+                </a:tc>
+                <a:tc>
+                  <a:txBody>
+                    <a:bodyPr/>
+                    <a:lstStyle/>
+                    <a:p>
+                      <a:r>
+                        <a:rPr lang="fr-FR" dirty="0" smtClean="0"/>
+                        <a:t>0</a:t>
+                      </a:r>
+                      <a:endParaRPr lang="fr-FR" dirty="0"/>
+                    </a:p>
+                  </a:txBody>
+                  <a:tcPr/>
+                </a:tc>
+                <a:tc>
+                  <a:txBody>
+                    <a:bodyPr/>
+                    <a:lstStyle/>
+                    <a:p>
+                      <a:r>
+                        <a:rPr lang="fr-FR" dirty="0" smtClean="0"/>
+                        <a:t>0</a:t>
+                      </a:r>
+                      <a:endParaRPr lang="fr-FR" dirty="0"/>
+                    </a:p>
+                  </a:txBody>
+                  <a:tcPr/>
+                </a:tc>
+                <a:tc>
+                  <a:txBody>
+                    <a:bodyPr/>
+                    <a:lstStyle/>
+                    <a:p>
+                      <a:r>
+                        <a:rPr lang="fr-FR" dirty="0" smtClean="0"/>
+                        <a:t>0</a:t>
+                      </a:r>
+                      <a:endParaRPr lang="fr-FR" dirty="0"/>
+                    </a:p>
+                  </a:txBody>
+                  <a:tcPr/>
+                </a:tc>
+                <a:tc>
+                  <a:txBody>
+                    <a:bodyPr/>
+                    <a:lstStyle/>
+                    <a:p>
+                      <a:r>
+                        <a:rPr lang="fr-FR" dirty="0" smtClean="0"/>
+                        <a:t>0</a:t>
+                      </a:r>
+                      <a:endParaRPr lang="fr-FR" dirty="0"/>
+                    </a:p>
+                  </a:txBody>
+                  <a:tcPr/>
+                </a:tc>
+                <a:tc>
+                  <a:txBody>
+                    <a:bodyPr/>
+                    <a:lstStyle/>
+                    <a:p>
+                      <a:r>
+                        <a:rPr lang="fr-FR" dirty="0" smtClean="0"/>
+                        <a:t>0</a:t>
+                      </a:r>
+                      <a:endParaRPr lang="fr-FR" dirty="0"/>
+                    </a:p>
+                  </a:txBody>
+                  <a:tcPr/>
+                </a:tc>
+              </a:tr>
+              <a:tr h="370840">
+                <a:tc>
+                  <a:txBody>
+                    <a:bodyPr/>
+                    <a:lstStyle/>
+                    <a:p>
+                      <a:r>
+                        <a:rPr lang="fr-FR" dirty="0" smtClean="0"/>
+                        <a:t>0</a:t>
+                      </a:r>
+                      <a:endParaRPr lang="fr-FR" dirty="0"/>
+                    </a:p>
+                  </a:txBody>
+                  <a:tcPr/>
+                </a:tc>
+                <a:tc>
+                  <a:txBody>
+                    <a:bodyPr/>
+                    <a:lstStyle/>
+                    <a:p>
+                      <a:r>
+                        <a:rPr lang="fr-FR" dirty="0" smtClean="0"/>
+                        <a:t>0</a:t>
+                      </a:r>
+                      <a:endParaRPr lang="fr-FR" dirty="0"/>
+                    </a:p>
+                  </a:txBody>
+                  <a:tcPr/>
+                </a:tc>
+                <a:tc>
+                  <a:txBody>
+                    <a:bodyPr/>
+                    <a:lstStyle/>
+                    <a:p>
+                      <a:r>
+                        <a:rPr lang="fr-FR" dirty="0" smtClean="0"/>
+                        <a:t>0</a:t>
+                      </a:r>
+                      <a:endParaRPr lang="fr-FR" dirty="0"/>
+                    </a:p>
+                  </a:txBody>
+                  <a:tcPr/>
+                </a:tc>
+                <a:tc>
+                  <a:txBody>
+                    <a:bodyPr/>
+                    <a:lstStyle/>
+                    <a:p>
+                      <a:r>
+                        <a:rPr lang="fr-FR" dirty="0" smtClean="0"/>
+                        <a:t>0</a:t>
+                      </a:r>
+                      <a:endParaRPr lang="fr-FR" dirty="0"/>
+                    </a:p>
+                  </a:txBody>
+                  <a:tcPr/>
+                </a:tc>
+                <a:tc>
+                  <a:txBody>
+                    <a:bodyPr/>
+                    <a:lstStyle/>
+                    <a:p>
+                      <a:r>
+                        <a:rPr lang="fr-FR" dirty="0" smtClean="0"/>
+                        <a:t>0</a:t>
+                      </a:r>
+                      <a:endParaRPr lang="fr-FR" dirty="0"/>
+                    </a:p>
+                  </a:txBody>
+                  <a:tcPr/>
+                </a:tc>
+                <a:tc>
+                  <a:txBody>
+                    <a:bodyPr/>
+                    <a:lstStyle/>
+                    <a:p>
+                      <a:r>
+                        <a:rPr lang="fr-FR" dirty="0" smtClean="0"/>
+                        <a:t>0</a:t>
+                      </a:r>
+                      <a:endParaRPr lang="fr-FR" dirty="0"/>
+                    </a:p>
+                  </a:txBody>
+                  <a:tcPr/>
+                </a:tc>
+                <a:tc>
+                  <a:txBody>
+                    <a:bodyPr/>
+                    <a:lstStyle/>
+                    <a:p>
+                      <a:r>
+                        <a:rPr lang="fr-FR" dirty="0" smtClean="0"/>
+                        <a:t>0</a:t>
+                      </a:r>
+                      <a:endParaRPr lang="fr-FR" dirty="0"/>
+                    </a:p>
+                  </a:txBody>
+                  <a:tcPr/>
+                </a:tc>
+              </a:tr>
+              <a:tr h="370840">
+                <a:tc>
+                  <a:txBody>
+                    <a:bodyPr/>
+                    <a:lstStyle/>
+                    <a:p>
+                      <a:r>
+                        <a:rPr lang="fr-FR" dirty="0" smtClean="0"/>
+                        <a:t>…</a:t>
+                      </a:r>
+                      <a:endParaRPr lang="fr-FR" dirty="0"/>
+                    </a:p>
+                  </a:txBody>
+                  <a:tcPr/>
+                </a:tc>
+                <a:tc>
+                  <a:txBody>
+                    <a:bodyPr/>
+                    <a:lstStyle/>
+                    <a:p>
+                      <a:r>
+                        <a:rPr lang="fr-FR" dirty="0" smtClean="0"/>
+                        <a:t>…</a:t>
+                      </a:r>
+                      <a:endParaRPr lang="fr-FR" dirty="0"/>
+                    </a:p>
+                  </a:txBody>
+                  <a:tcPr/>
+                </a:tc>
+                <a:tc>
+                  <a:txBody>
+                    <a:bodyPr/>
+                    <a:lstStyle/>
+                    <a:p>
+                      <a:r>
+                        <a:rPr lang="fr-FR" dirty="0" smtClean="0"/>
+                        <a:t>…</a:t>
+                      </a:r>
+                      <a:endParaRPr lang="fr-FR" dirty="0"/>
+                    </a:p>
+                  </a:txBody>
+                  <a:tcPr/>
+                </a:tc>
+                <a:tc>
+                  <a:txBody>
+                    <a:bodyPr/>
+                    <a:lstStyle/>
+                    <a:p>
+                      <a:r>
+                        <a:rPr lang="fr-FR" dirty="0" smtClean="0"/>
+                        <a:t>…</a:t>
+                      </a:r>
+                      <a:endParaRPr lang="fr-FR" dirty="0"/>
+                    </a:p>
+                  </a:txBody>
+                  <a:tcPr/>
+                </a:tc>
+                <a:tc>
+                  <a:txBody>
+                    <a:bodyPr/>
+                    <a:lstStyle/>
+                    <a:p>
+                      <a:r>
+                        <a:rPr lang="fr-FR" dirty="0" smtClean="0"/>
+                        <a:t>…</a:t>
+                      </a:r>
+                      <a:endParaRPr lang="fr-FR" dirty="0"/>
+                    </a:p>
+                  </a:txBody>
+                  <a:tcPr/>
+                </a:tc>
+                <a:tc>
+                  <a:txBody>
+                    <a:bodyPr/>
+                    <a:lstStyle/>
+                    <a:p>
+                      <a:r>
+                        <a:rPr lang="fr-FR" dirty="0" smtClean="0"/>
+                        <a:t>…</a:t>
+                      </a:r>
+                      <a:endParaRPr lang="fr-FR" dirty="0"/>
+                    </a:p>
+                  </a:txBody>
+                  <a:tcPr/>
+                </a:tc>
+                <a:tc>
+                  <a:txBody>
+                    <a:bodyPr/>
+                    <a:lstStyle/>
+                    <a:p>
+                      <a:r>
+                        <a:rPr lang="fr-FR" dirty="0" smtClean="0"/>
+                        <a:t>…</a:t>
+                      </a:r>
+                      <a:endParaRPr lang="fr-FR" dirty="0"/>
+                    </a:p>
+                  </a:txBody>
+                  <a:tcPr/>
+                </a:tc>
+              </a:tr>
+            </a:tbl>
+          </a:graphicData>
+        </a:graphic>
+      </p:graphicFrame>
+      <p:sp>
+        <p:nvSpPr>
+          <p:cNvPr id="15" name="Titre 1"/>
+          <p:cNvSpPr txBox="1">
+            <a:spLocks/>
+          </p:cNvSpPr>
+          <p:nvPr/>
+        </p:nvSpPr>
+        <p:spPr>
+          <a:xfrm>
+            <a:off x="683568" y="186671"/>
+            <a:ext cx="7315200" cy="1154097"/>
+          </a:xfrm>
+          <a:prstGeom prst="rect">
+            <a:avLst/>
+          </a:prstGeom>
+        </p:spPr>
+        <p:txBody>
+          <a:bodyPr vert="horz" lIns="91440" tIns="45720" rIns="91440" bIns="45720" rtlCol="0" anchor="b">
+            <a:normAutofit/>
+          </a:bodyPr>
+          <a:lstStyle>
+            <a:lvl1pPr algn="l" defTabSz="914400" rtl="0" eaLnBrk="1" latinLnBrk="0" hangingPunct="1">
+              <a:spcBef>
+                <a:spcPct val="0"/>
+              </a:spcBef>
+              <a:buNone/>
+              <a:defRPr sz="4000" kern="1200">
+                <a:solidFill>
+                  <a:schemeClr val="tx2"/>
+                </a:solidFill>
+                <a:latin typeface="+mj-lt"/>
+                <a:ea typeface="+mj-ea"/>
+                <a:cs typeface="+mj-cs"/>
+              </a:defRPr>
+            </a:lvl1pPr>
+            <a:lvl2pPr eaLnBrk="1" hangingPunct="1">
+              <a:defRPr>
+                <a:solidFill>
+                  <a:schemeClr val="tx2"/>
+                </a:solidFill>
+              </a:defRPr>
+            </a:lvl2pPr>
+            <a:lvl3pPr eaLnBrk="1" hangingPunct="1">
+              <a:defRPr>
+                <a:solidFill>
+                  <a:schemeClr val="tx2"/>
+                </a:solidFill>
+              </a:defRPr>
+            </a:lvl3pPr>
+            <a:lvl4pPr eaLnBrk="1" hangingPunct="1">
+              <a:defRPr>
+                <a:solidFill>
+                  <a:schemeClr val="tx2"/>
+                </a:solidFill>
+              </a:defRPr>
+            </a:lvl4pPr>
+            <a:lvl5pPr eaLnBrk="1" hangingPunct="1">
+              <a:defRPr>
+                <a:solidFill>
+                  <a:schemeClr val="tx2"/>
+                </a:solidFill>
+              </a:defRPr>
+            </a:lvl5pPr>
+            <a:lvl6pPr eaLnBrk="1" hangingPunct="1">
+              <a:defRPr>
+                <a:solidFill>
+                  <a:schemeClr val="tx2"/>
+                </a:solidFill>
+              </a:defRPr>
+            </a:lvl6pPr>
+            <a:lvl7pPr eaLnBrk="1" hangingPunct="1">
+              <a:defRPr>
+                <a:solidFill>
+                  <a:schemeClr val="tx2"/>
+                </a:solidFill>
+              </a:defRPr>
+            </a:lvl7pPr>
+            <a:lvl8pPr eaLnBrk="1" hangingPunct="1">
+              <a:defRPr>
+                <a:solidFill>
+                  <a:schemeClr val="tx2"/>
+                </a:solidFill>
+              </a:defRPr>
+            </a:lvl8pPr>
+            <a:lvl9pPr eaLnBrk="1" hangingPunct="1">
+              <a:defRPr>
+                <a:solidFill>
+                  <a:schemeClr val="tx2"/>
+                </a:solidFill>
+              </a:defRPr>
+            </a:lvl9pPr>
+          </a:lstStyle>
+          <a:p>
+            <a:r>
+              <a:rPr lang="fr-FR" dirty="0" smtClean="0"/>
+              <a:t>Arrivée du thread principal</a:t>
+            </a:r>
+            <a:endParaRPr lang="fr-FR" dirty="0"/>
+          </a:p>
+        </p:txBody>
+      </p:sp>
+      <p:pic>
+        <p:nvPicPr>
+          <p:cNvPr id="3" name="Image 2"/>
+          <p:cNvPicPr>
+            <a:picLocks noChangeAspect="1"/>
+          </p:cNvPicPr>
+          <p:nvPr/>
+        </p:nvPicPr>
+        <p:blipFill>
+          <a:blip r:embed="rId2">
+            <a:extLst>
+              <a:ext uri="{28A0092B-C50C-407E-A947-70E740481C1C}">
+                <a14:useLocalDpi xmlns:a14="http://schemas.microsoft.com/office/drawing/2010/main" val="0"/>
+              </a:ext>
+            </a:extLst>
+          </a:blip>
+          <a:stretch>
+            <a:fillRect/>
+          </a:stretch>
+        </p:blipFill>
+        <p:spPr>
+          <a:xfrm>
+            <a:off x="971600" y="1628800"/>
+            <a:ext cx="6385133" cy="1671873"/>
+          </a:xfrm>
+          <a:prstGeom prst="rect">
+            <a:avLst/>
+          </a:prstGeom>
+        </p:spPr>
+      </p:pic>
+      <p:cxnSp>
+        <p:nvCxnSpPr>
+          <p:cNvPr id="9" name="Connecteur droit avec flèche 8"/>
+          <p:cNvCxnSpPr/>
+          <p:nvPr/>
+        </p:nvCxnSpPr>
+        <p:spPr>
+          <a:xfrm flipH="1">
+            <a:off x="1835696" y="2924944"/>
+            <a:ext cx="432048" cy="1296144"/>
+          </a:xfrm>
+          <a:prstGeom prst="straightConnector1">
+            <a:avLst/>
+          </a:prstGeom>
+          <a:ln>
+            <a:tailEnd type="arrow"/>
+          </a:ln>
+        </p:spPr>
+        <p:style>
+          <a:lnRef idx="1">
+            <a:schemeClr val="accent1"/>
+          </a:lnRef>
+          <a:fillRef idx="0">
+            <a:schemeClr val="accent1"/>
+          </a:fillRef>
+          <a:effectRef idx="0">
+            <a:schemeClr val="accent1"/>
+          </a:effectRef>
+          <a:fontRef idx="minor">
+            <a:schemeClr val="tx1"/>
+          </a:fontRef>
+        </p:style>
+      </p:cxnSp>
+      <p:cxnSp>
+        <p:nvCxnSpPr>
+          <p:cNvPr id="12" name="Connecteur droit avec flèche 11"/>
+          <p:cNvCxnSpPr/>
+          <p:nvPr/>
+        </p:nvCxnSpPr>
+        <p:spPr>
+          <a:xfrm>
+            <a:off x="2636168" y="2924944"/>
+            <a:ext cx="0" cy="1368152"/>
+          </a:xfrm>
+          <a:prstGeom prst="straightConnector1">
+            <a:avLst/>
+          </a:prstGeom>
+          <a:ln>
+            <a:tailEnd type="arrow"/>
+          </a:ln>
+        </p:spPr>
+        <p:style>
+          <a:lnRef idx="1">
+            <a:schemeClr val="accent1"/>
+          </a:lnRef>
+          <a:fillRef idx="0">
+            <a:schemeClr val="accent1"/>
+          </a:fillRef>
+          <a:effectRef idx="0">
+            <a:schemeClr val="accent1"/>
+          </a:effectRef>
+          <a:fontRef idx="minor">
+            <a:schemeClr val="tx1"/>
+          </a:fontRef>
+        </p:style>
+      </p:cxnSp>
+      <p:cxnSp>
+        <p:nvCxnSpPr>
+          <p:cNvPr id="13" name="Connecteur droit avec flèche 12"/>
+          <p:cNvCxnSpPr/>
+          <p:nvPr/>
+        </p:nvCxnSpPr>
+        <p:spPr>
+          <a:xfrm>
+            <a:off x="3068216" y="2928356"/>
+            <a:ext cx="207640" cy="1364740"/>
+          </a:xfrm>
+          <a:prstGeom prst="straightConnector1">
+            <a:avLst/>
+          </a:prstGeom>
+          <a:ln>
+            <a:tailEnd type="arrow"/>
+          </a:ln>
+        </p:spPr>
+        <p:style>
+          <a:lnRef idx="1">
+            <a:schemeClr val="accent1"/>
+          </a:lnRef>
+          <a:fillRef idx="0">
+            <a:schemeClr val="accent1"/>
+          </a:fillRef>
+          <a:effectRef idx="0">
+            <a:schemeClr val="accent1"/>
+          </a:effectRef>
+          <a:fontRef idx="minor">
+            <a:schemeClr val="tx1"/>
+          </a:fontRef>
+        </p:style>
+      </p:cxnSp>
+      <p:cxnSp>
+        <p:nvCxnSpPr>
+          <p:cNvPr id="14" name="Connecteur droit avec flèche 13"/>
+          <p:cNvCxnSpPr/>
+          <p:nvPr/>
+        </p:nvCxnSpPr>
+        <p:spPr>
+          <a:xfrm>
+            <a:off x="3347864" y="2924944"/>
+            <a:ext cx="816302" cy="1368152"/>
+          </a:xfrm>
+          <a:prstGeom prst="straightConnector1">
+            <a:avLst/>
+          </a:prstGeom>
+          <a:ln>
+            <a:tailEnd type="arrow"/>
+          </a:ln>
+        </p:spPr>
+        <p:style>
+          <a:lnRef idx="1">
+            <a:schemeClr val="accent1"/>
+          </a:lnRef>
+          <a:fillRef idx="0">
+            <a:schemeClr val="accent1"/>
+          </a:fillRef>
+          <a:effectRef idx="0">
+            <a:schemeClr val="accent1"/>
+          </a:effectRef>
+          <a:fontRef idx="minor">
+            <a:schemeClr val="tx1"/>
+          </a:fontRef>
+        </p:style>
+      </p:cxnSp>
+    </p:spTree>
+    <p:extLst>
+      <p:ext uri="{BB962C8B-B14F-4D97-AF65-F5344CB8AC3E}">
+        <p14:creationId xmlns:p14="http://schemas.microsoft.com/office/powerpoint/2010/main" val="4143397986"/>
+      </p:ext>
+    </p:extLst>
+  </p:cSld>
+  <p:clrMapOvr>
+    <a:masterClrMapping/>
+  </p:clrMapOvr>
+</p:sld>
+</file>
+
+<file path=ppt/slides/slide18.xml><?xml version="1.0" encoding="utf-8"?>
+<p:sld xmlns:a="http://schemas.openxmlformats.org/drawingml/2006/main" xmlns:r="http://schemas.openxmlformats.org/officeDocument/2006/relationships" xmlns:p="http://schemas.openxmlformats.org/presentationml/2006/main">
+  <p:cSld>
+    <p:spTree>
+      <p:nvGrpSpPr>
+        <p:cNvPr id="1" name=""/>
+        <p:cNvGrpSpPr/>
+        <p:nvPr/>
+      </p:nvGrpSpPr>
+      <p:grpSpPr>
+        <a:xfrm>
+          <a:off x="0" y="0"/>
+          <a:ext cx="0" cy="0"/>
+          <a:chOff x="0" y="0"/>
+          <a:chExt cx="0" cy="0"/>
+        </a:xfrm>
+      </p:grpSpPr>
+      <p:sp>
+        <p:nvSpPr>
+          <p:cNvPr id="2" name="Titre 1"/>
+          <p:cNvSpPr>
+            <a:spLocks noGrp="1"/>
+          </p:cNvSpPr>
+          <p:nvPr>
+            <p:ph type="title"/>
+          </p:nvPr>
+        </p:nvSpPr>
         <p:spPr>
           <a:xfrm>
             <a:off x="539552" y="260648"/>
@@ -3913,7 +6434,284 @@
 </p:sld>
 </file>
 
-<file path=ppt/slides/slide16.xml><?xml version="1.0" encoding="utf-8"?>
+<file path=ppt/slides/slide19.xml><?xml version="1.0" encoding="utf-8"?>
+<p:sld xmlns:a="http://schemas.openxmlformats.org/drawingml/2006/main" xmlns:r="http://schemas.openxmlformats.org/officeDocument/2006/relationships" xmlns:p="http://schemas.openxmlformats.org/presentationml/2006/main">
+  <p:cSld>
+    <p:spTree>
+      <p:nvGrpSpPr>
+        <p:cNvPr id="1" name=""/>
+        <p:cNvGrpSpPr/>
+        <p:nvPr/>
+      </p:nvGrpSpPr>
+      <p:grpSpPr>
+        <a:xfrm>
+          <a:off x="0" y="0"/>
+          <a:ext cx="0" cy="0"/>
+          <a:chOff x="0" y="0"/>
+          <a:chExt cx="0" cy="0"/>
+        </a:xfrm>
+      </p:grpSpPr>
+      <p:sp>
+        <p:nvSpPr>
+          <p:cNvPr id="2" name="Titre 1"/>
+          <p:cNvSpPr>
+            <a:spLocks noGrp="1"/>
+          </p:cNvSpPr>
+          <p:nvPr>
+            <p:ph type="title"/>
+          </p:nvPr>
+        </p:nvSpPr>
+        <p:spPr>
+          <a:xfrm>
+            <a:off x="899592" y="980728"/>
+            <a:ext cx="7315200" cy="1154097"/>
+          </a:xfrm>
+        </p:spPr>
+        <p:txBody>
+          <a:bodyPr/>
+          <a:lstStyle/>
+          <a:p>
+            <a:r>
+              <a:rPr lang="fr-FR" dirty="0" smtClean="0"/>
+              <a:t>Attention au </a:t>
+            </a:r>
+            <a:r>
+              <a:rPr lang="fr-FR" dirty="0" err="1" smtClean="0"/>
+              <a:t>stack</a:t>
+            </a:r>
+            <a:r>
+              <a:rPr lang="fr-FR" dirty="0" smtClean="0"/>
+              <a:t> </a:t>
+            </a:r>
+            <a:r>
+              <a:rPr lang="fr-FR" dirty="0" err="1" smtClean="0"/>
+              <a:t>overflow</a:t>
+            </a:r>
+            <a:r>
+              <a:rPr lang="fr-FR" dirty="0" smtClean="0"/>
+              <a:t> !</a:t>
+            </a:r>
+            <a:endParaRPr lang="fr-FR" dirty="0"/>
+          </a:p>
+        </p:txBody>
+      </p:sp>
+      <p:sp>
+        <p:nvSpPr>
+          <p:cNvPr id="3" name="Espace réservé du contenu 2"/>
+          <p:cNvSpPr>
+            <a:spLocks noGrp="1"/>
+          </p:cNvSpPr>
+          <p:nvPr>
+            <p:ph idx="1"/>
+          </p:nvPr>
+        </p:nvSpPr>
+        <p:spPr/>
+        <p:txBody>
+          <a:bodyPr/>
+          <a:lstStyle/>
+          <a:p>
+            <a:r>
+              <a:rPr lang="fr-FR" dirty="0" smtClean="0"/>
+              <a:t>Plus on utilise un index grand dans la bitmap, plus on remonte la pile ! Attention à ne pas dépasser les limites de l’espace mémoire…</a:t>
+            </a:r>
+          </a:p>
+          <a:p>
+            <a:endParaRPr lang="fr-FR" dirty="0"/>
+          </a:p>
+          <a:p>
+            <a:endParaRPr lang="fr-FR" dirty="0"/>
+          </a:p>
+        </p:txBody>
+      </p:sp>
+      <p:pic>
+        <p:nvPicPr>
+          <p:cNvPr id="5" name="Image 4"/>
+          <p:cNvPicPr>
+            <a:picLocks noChangeAspect="1"/>
+          </p:cNvPicPr>
+          <p:nvPr/>
+        </p:nvPicPr>
+        <p:blipFill>
+          <a:blip r:embed="rId2">
+            <a:extLst>
+              <a:ext uri="{28A0092B-C50C-407E-A947-70E740481C1C}">
+                <a14:useLocalDpi xmlns:a14="http://schemas.microsoft.com/office/drawing/2010/main" val="0"/>
+              </a:ext>
+            </a:extLst>
+          </a:blip>
+          <a:stretch>
+            <a:fillRect/>
+          </a:stretch>
+        </p:blipFill>
+        <p:spPr>
+          <a:xfrm>
+            <a:off x="1133530" y="4077072"/>
+            <a:ext cx="6462805" cy="2455301"/>
+          </a:xfrm>
+          <a:prstGeom prst="rect">
+            <a:avLst/>
+          </a:prstGeom>
+        </p:spPr>
+      </p:pic>
+    </p:spTree>
+    <p:extLst>
+      <p:ext uri="{BB962C8B-B14F-4D97-AF65-F5344CB8AC3E}">
+        <p14:creationId xmlns:p14="http://schemas.microsoft.com/office/powerpoint/2010/main" val="2166994155"/>
+      </p:ext>
+    </p:extLst>
+  </p:cSld>
+  <p:clrMapOvr>
+    <a:masterClrMapping/>
+  </p:clrMapOvr>
+</p:sld>
+</file>
+
+<file path=ppt/slides/slide2.xml><?xml version="1.0" encoding="utf-8"?>
+<p:sld xmlns:a="http://schemas.openxmlformats.org/drawingml/2006/main" xmlns:r="http://schemas.openxmlformats.org/officeDocument/2006/relationships" xmlns:p="http://schemas.openxmlformats.org/presentationml/2006/main">
+  <p:cSld>
+    <p:spTree>
+      <p:nvGrpSpPr>
+        <p:cNvPr id="1" name=""/>
+        <p:cNvGrpSpPr/>
+        <p:nvPr/>
+      </p:nvGrpSpPr>
+      <p:grpSpPr>
+        <a:xfrm>
+          <a:off x="0" y="0"/>
+          <a:ext cx="0" cy="0"/>
+          <a:chOff x="0" y="0"/>
+          <a:chExt cx="0" cy="0"/>
+        </a:xfrm>
+      </p:grpSpPr>
+      <p:sp>
+        <p:nvSpPr>
+          <p:cNvPr id="2" name="Titre 1"/>
+          <p:cNvSpPr>
+            <a:spLocks noGrp="1"/>
+          </p:cNvSpPr>
+          <p:nvPr>
+            <p:ph type="title"/>
+          </p:nvPr>
+        </p:nvSpPr>
+        <p:spPr>
+          <a:xfrm>
+            <a:off x="971600" y="404664"/>
+            <a:ext cx="7315200" cy="1154097"/>
+          </a:xfrm>
+        </p:spPr>
+        <p:txBody>
+          <a:bodyPr/>
+          <a:lstStyle/>
+          <a:p>
+            <a:pPr algn="ctr"/>
+            <a:r>
+              <a:rPr lang="fr-FR" dirty="0" smtClean="0"/>
+              <a:t>SOMMAIRE</a:t>
+            </a:r>
+            <a:endParaRPr lang="fr-FR" dirty="0"/>
+          </a:p>
+        </p:txBody>
+      </p:sp>
+      <p:sp>
+        <p:nvSpPr>
+          <p:cNvPr id="3" name="Espace réservé du contenu 2"/>
+          <p:cNvSpPr>
+            <a:spLocks noGrp="1"/>
+          </p:cNvSpPr>
+          <p:nvPr>
+            <p:ph idx="1"/>
+          </p:nvPr>
+        </p:nvSpPr>
+        <p:spPr/>
+        <p:txBody>
+          <a:bodyPr>
+            <a:normAutofit fontScale="92500" lnSpcReduction="10000"/>
+          </a:bodyPr>
+          <a:lstStyle/>
+          <a:p>
+            <a:r>
+              <a:rPr lang="fr-FR" dirty="0" smtClean="0"/>
+              <a:t>Présentation de </a:t>
+            </a:r>
+            <a:r>
+              <a:rPr lang="fr-FR" dirty="0" err="1" smtClean="0"/>
+              <a:t>NachOS</a:t>
+            </a:r>
+            <a:endParaRPr lang="fr-FR" dirty="0"/>
+          </a:p>
+          <a:p>
+            <a:endParaRPr lang="fr-FR" dirty="0" smtClean="0"/>
+          </a:p>
+          <a:p>
+            <a:r>
+              <a:rPr lang="fr-FR" dirty="0" smtClean="0"/>
+              <a:t>Objectif 1 : Comprendre le fonctionnement d’un SYSCALL</a:t>
+            </a:r>
+          </a:p>
+          <a:p>
+            <a:endParaRPr lang="fr-FR" dirty="0"/>
+          </a:p>
+          <a:p>
+            <a:r>
+              <a:rPr lang="fr-FR" dirty="0" smtClean="0"/>
+              <a:t>Objectif  2 : Comprendre les threads utilisateur</a:t>
+            </a:r>
+          </a:p>
+          <a:p>
+            <a:endParaRPr lang="fr-FR" dirty="0"/>
+          </a:p>
+          <a:p>
+            <a:r>
+              <a:rPr lang="fr-FR" dirty="0" smtClean="0"/>
+              <a:t>Objectif 3 : Comprendre la pagination</a:t>
+            </a:r>
+          </a:p>
+          <a:p>
+            <a:endParaRPr lang="fr-FR" dirty="0"/>
+          </a:p>
+          <a:p>
+            <a:r>
+              <a:rPr lang="fr-FR" dirty="0" smtClean="0"/>
+              <a:t>Objectif 4 : Avoir une gestion </a:t>
+            </a:r>
+            <a:r>
+              <a:rPr lang="fr-FR" dirty="0" err="1" smtClean="0"/>
+              <a:t>multi-processus</a:t>
+            </a:r>
+            <a:endParaRPr lang="fr-FR" dirty="0" smtClean="0"/>
+          </a:p>
+          <a:p>
+            <a:endParaRPr lang="fr-FR" dirty="0"/>
+          </a:p>
+          <a:p>
+            <a:r>
+              <a:rPr lang="fr-FR" dirty="0" smtClean="0"/>
+              <a:t>Bilan</a:t>
+            </a:r>
+          </a:p>
+        </p:txBody>
+      </p:sp>
+    </p:spTree>
+    <p:extLst>
+      <p:ext uri="{BB962C8B-B14F-4D97-AF65-F5344CB8AC3E}">
+        <p14:creationId xmlns:p14="http://schemas.microsoft.com/office/powerpoint/2010/main" val="2736006627"/>
+      </p:ext>
+    </p:extLst>
+  </p:cSld>
+  <p:clrMapOvr>
+    <a:masterClrMapping/>
+  </p:clrMapOvr>
+  <p:timing>
+    <p:tnLst>
+      <p:par>
+        <p:cTn id="1" dur="indefinite" restart="never" nodeType="tmRoot"/>
+      </p:par>
+    </p:tnLst>
+  </p:timing>
+</p:sld>
+</file>
+
+<file path=ppt/slides/slide20.xml><?xml version="1.0" encoding="utf-8"?>
 <p:sld xmlns:a="http://schemas.openxmlformats.org/drawingml/2006/main" xmlns:r="http://schemas.openxmlformats.org/officeDocument/2006/relationships" xmlns:p="http://schemas.openxmlformats.org/presentationml/2006/main">
   <p:cSld>
     <p:spTree>
@@ -4016,7 +6814,7 @@
 </p:sld>
 </file>
 
-<file path=ppt/slides/slide17.xml><?xml version="1.0" encoding="utf-8"?>
+<file path=ppt/slides/slide21.xml><?xml version="1.0" encoding="utf-8"?>
 <p:sld xmlns:a="http://schemas.openxmlformats.org/drawingml/2006/main" xmlns:r="http://schemas.openxmlformats.org/officeDocument/2006/relationships" xmlns:p="http://schemas.openxmlformats.org/presentationml/2006/main">
   <p:cSld>
     <p:spTree>
@@ -4082,7 +6880,7 @@
 </p:sld>
 </file>
 
-<file path=ppt/slides/slide18.xml><?xml version="1.0" encoding="utf-8"?>
+<file path=ppt/slides/slide22.xml><?xml version="1.0" encoding="utf-8"?>
 <p:sld xmlns:a="http://schemas.openxmlformats.org/drawingml/2006/main" xmlns:r="http://schemas.openxmlformats.org/officeDocument/2006/relationships" xmlns:p="http://schemas.openxmlformats.org/presentationml/2006/main">
   <p:cSld>
     <p:spTree>
@@ -4208,7 +7006,7 @@
 </p:sld>
 </file>
 
-<file path=ppt/slides/slide19.xml><?xml version="1.0" encoding="utf-8"?>
+<file path=ppt/slides/slide23.xml><?xml version="1.0" encoding="utf-8"?>
 <p:sld xmlns:a="http://schemas.openxmlformats.org/drawingml/2006/main" xmlns:r="http://schemas.openxmlformats.org/officeDocument/2006/relationships" xmlns:p="http://schemas.openxmlformats.org/presentationml/2006/main">
   <p:cSld>
     <p:spTree>
@@ -4310,152 +7108,7 @@
 </p:sld>
 </file>
 
-<file path=ppt/slides/slide2.xml><?xml version="1.0" encoding="utf-8"?>
-<p:sld xmlns:a="http://schemas.openxmlformats.org/drawingml/2006/main" xmlns:r="http://schemas.openxmlformats.org/officeDocument/2006/relationships" xmlns:p="http://schemas.openxmlformats.org/presentationml/2006/main">
-  <p:cSld>
-    <p:spTree>
-      <p:nvGrpSpPr>
-        <p:cNvPr id="1" name=""/>
-        <p:cNvGrpSpPr/>
-        <p:nvPr/>
-      </p:nvGrpSpPr>
-      <p:grpSpPr>
-        <a:xfrm>
-          <a:off x="0" y="0"/>
-          <a:ext cx="0" cy="0"/>
-          <a:chOff x="0" y="0"/>
-          <a:chExt cx="0" cy="0"/>
-        </a:xfrm>
-      </p:grpSpPr>
-      <p:sp>
-        <p:nvSpPr>
-          <p:cNvPr id="2" name="Titre 1"/>
-          <p:cNvSpPr>
-            <a:spLocks noGrp="1"/>
-          </p:cNvSpPr>
-          <p:nvPr>
-            <p:ph type="title"/>
-          </p:nvPr>
-        </p:nvSpPr>
-        <p:spPr>
-          <a:xfrm>
-            <a:off x="971600" y="404664"/>
-            <a:ext cx="7315200" cy="1154097"/>
-          </a:xfrm>
-        </p:spPr>
-        <p:txBody>
-          <a:bodyPr/>
-          <a:lstStyle/>
-          <a:p>
-            <a:pPr algn="ctr"/>
-            <a:r>
-              <a:rPr lang="fr-FR" dirty="0" smtClean="0"/>
-              <a:t>SOMMAIRE</a:t>
-            </a:r>
-            <a:endParaRPr lang="fr-FR" dirty="0"/>
-          </a:p>
-        </p:txBody>
-      </p:sp>
-      <p:sp>
-        <p:nvSpPr>
-          <p:cNvPr id="3" name="Espace réservé du contenu 2"/>
-          <p:cNvSpPr>
-            <a:spLocks noGrp="1"/>
-          </p:cNvSpPr>
-          <p:nvPr>
-            <p:ph idx="1"/>
-          </p:nvPr>
-        </p:nvSpPr>
-        <p:spPr/>
-        <p:txBody>
-          <a:bodyPr>
-            <a:normAutofit fontScale="92500" lnSpcReduction="10000"/>
-          </a:bodyPr>
-          <a:lstStyle/>
-          <a:p>
-            <a:r>
-              <a:rPr lang="fr-FR" dirty="0" smtClean="0"/>
-              <a:t>Présentation de </a:t>
-            </a:r>
-            <a:r>
-              <a:rPr lang="fr-FR" dirty="0" err="1" smtClean="0"/>
-              <a:t>NachOS</a:t>
-            </a:r>
-            <a:endParaRPr lang="fr-FR" dirty="0"/>
-          </a:p>
-          <a:p>
-            <a:endParaRPr lang="fr-FR" dirty="0" smtClean="0"/>
-          </a:p>
-          <a:p>
-            <a:r>
-              <a:rPr lang="fr-FR" dirty="0" smtClean="0"/>
-              <a:t>Objectif 1 : Comprendre le fonctionnement d’un SYSCALL</a:t>
-            </a:r>
-          </a:p>
-          <a:p>
-            <a:endParaRPr lang="fr-FR" dirty="0"/>
-          </a:p>
-          <a:p>
-            <a:r>
-              <a:rPr lang="fr-FR" dirty="0" smtClean="0"/>
-              <a:t>Objectif  2 : Comprendre les threads utilisateur</a:t>
-            </a:r>
-          </a:p>
-          <a:p>
-            <a:endParaRPr lang="fr-FR" dirty="0"/>
-          </a:p>
-          <a:p>
-            <a:r>
-              <a:rPr lang="fr-FR" dirty="0" smtClean="0"/>
-              <a:t>Objectif 3 : Comprendre la pagination</a:t>
-            </a:r>
-          </a:p>
-          <a:p>
-            <a:endParaRPr lang="fr-FR" dirty="0"/>
-          </a:p>
-          <a:p>
-            <a:r>
-              <a:rPr lang="fr-FR" dirty="0" smtClean="0"/>
-              <a:t>Objectif 4 : Avoir une gestion </a:t>
-            </a:r>
-            <a:r>
-              <a:rPr lang="fr-FR" dirty="0" err="1" smtClean="0"/>
-              <a:t>multi-processus</a:t>
-            </a:r>
-            <a:endParaRPr lang="fr-FR" dirty="0" smtClean="0"/>
-          </a:p>
-          <a:p>
-            <a:endParaRPr lang="fr-FR" dirty="0"/>
-          </a:p>
-          <a:p>
-            <a:r>
-              <a:rPr lang="fr-FR" dirty="0" smtClean="0"/>
-              <a:t>Bilan</a:t>
-            </a:r>
-          </a:p>
-        </p:txBody>
-      </p:sp>
-    </p:spTree>
-    <p:extLst>
-      <p:ext uri="{BB962C8B-B14F-4D97-AF65-F5344CB8AC3E}">
-        <p14:creationId xmlns:p14="http://schemas.microsoft.com/office/powerpoint/2010/main" val="2736006627"/>
-      </p:ext>
-    </p:extLst>
-  </p:cSld>
-  <p:clrMapOvr>
-    <a:masterClrMapping/>
-  </p:clrMapOvr>
-  <p:timing>
-    <p:tnLst>
-      <p:par>
-        <p:cTn id="1" dur="indefinite" restart="never" nodeType="tmRoot"/>
-      </p:par>
-    </p:tnLst>
-  </p:timing>
-</p:sld>
-</file>
-
-<file path=ppt/slides/slide20.xml><?xml version="1.0" encoding="utf-8"?>
+<file path=ppt/slides/slide24.xml><?xml version="1.0" encoding="utf-8"?>
 <p:sld xmlns:a="http://schemas.openxmlformats.org/drawingml/2006/main" xmlns:r="http://schemas.openxmlformats.org/officeDocument/2006/relationships" xmlns:p="http://schemas.openxmlformats.org/presentationml/2006/main">
   <p:cSld>
     <p:spTree>
@@ -4553,7 +7206,7 @@
 </p:sld>
 </file>
 
-<file path=ppt/slides/slide21.xml><?xml version="1.0" encoding="utf-8"?>
+<file path=ppt/slides/slide25.xml><?xml version="1.0" encoding="utf-8"?>
 <p:sld xmlns:a="http://schemas.openxmlformats.org/drawingml/2006/main" xmlns:r="http://schemas.openxmlformats.org/officeDocument/2006/relationships" xmlns:p="http://schemas.openxmlformats.org/presentationml/2006/main">
   <p:cSld>
     <p:spTree>
@@ -4632,7 +7285,7 @@
 </p:sld>
 </file>
 
-<file path=ppt/slides/slide22.xml><?xml version="1.0" encoding="utf-8"?>
+<file path=ppt/slides/slide26.xml><?xml version="1.0" encoding="utf-8"?>
 <p:sld xmlns:a="http://schemas.openxmlformats.org/drawingml/2006/main" xmlns:r="http://schemas.openxmlformats.org/officeDocument/2006/relationships" xmlns:p="http://schemas.openxmlformats.org/presentationml/2006/main">
   <p:cSld>
     <p:spTree>
@@ -4723,101 +7376,7 @@
 </p:sld>
 </file>
 
-<file path=ppt/slides/slide23.xml><?xml version="1.0" encoding="utf-8"?>
-<p:sld xmlns:a="http://schemas.openxmlformats.org/drawingml/2006/main" xmlns:r="http://schemas.openxmlformats.org/officeDocument/2006/relationships" xmlns:p="http://schemas.openxmlformats.org/presentationml/2006/main">
-  <p:cSld>
-    <p:spTree>
-      <p:nvGrpSpPr>
-        <p:cNvPr id="1" name=""/>
-        <p:cNvGrpSpPr/>
-        <p:nvPr/>
-      </p:nvGrpSpPr>
-      <p:grpSpPr>
-        <a:xfrm>
-          <a:off x="0" y="0"/>
-          <a:ext cx="0" cy="0"/>
-          <a:chOff x="0" y="0"/>
-          <a:chExt cx="0" cy="0"/>
-        </a:xfrm>
-      </p:grpSpPr>
-      <p:sp>
-        <p:nvSpPr>
-          <p:cNvPr id="2" name="Titre 1"/>
-          <p:cNvSpPr>
-            <a:spLocks noGrp="1"/>
-          </p:cNvSpPr>
-          <p:nvPr>
-            <p:ph type="title"/>
-          </p:nvPr>
-        </p:nvSpPr>
-        <p:spPr>
-          <a:xfrm>
-            <a:off x="899592" y="188640"/>
-            <a:ext cx="7315200" cy="1154097"/>
-          </a:xfrm>
-        </p:spPr>
-        <p:txBody>
-          <a:bodyPr/>
-          <a:lstStyle/>
-          <a:p>
-            <a:r>
-              <a:rPr lang="fr-FR" dirty="0" err="1" smtClean="0"/>
-              <a:t>ReadAtVirtual</a:t>
-            </a:r>
-            <a:endParaRPr lang="fr-FR" dirty="0"/>
-          </a:p>
-        </p:txBody>
-      </p:sp>
-      <p:pic>
-        <p:nvPicPr>
-          <p:cNvPr id="4" name="Espace réservé du contenu 3"/>
-          <p:cNvPicPr>
-            <a:picLocks noGrp="1" noChangeAspect="1"/>
-          </p:cNvPicPr>
-          <p:nvPr>
-            <p:ph idx="1"/>
-          </p:nvPr>
-        </p:nvPicPr>
-        <p:blipFill>
-          <a:blip r:embed="rId2">
-            <a:extLst>
-              <a:ext uri="{28A0092B-C50C-407E-A947-70E740481C1C}">
-                <a14:useLocalDpi xmlns:a14="http://schemas.microsoft.com/office/drawing/2010/main" val="0"/>
-              </a:ext>
-            </a:extLst>
-          </a:blip>
-          <a:stretch>
-            <a:fillRect/>
-          </a:stretch>
-        </p:blipFill>
-        <p:spPr>
-          <a:xfrm>
-            <a:off x="107504" y="2204864"/>
-            <a:ext cx="8899170" cy="4176464"/>
-          </a:xfrm>
-        </p:spPr>
-      </p:pic>
-    </p:spTree>
-    <p:extLst>
-      <p:ext uri="{BB962C8B-B14F-4D97-AF65-F5344CB8AC3E}">
-        <p14:creationId xmlns:p14="http://schemas.microsoft.com/office/powerpoint/2010/main" val="691613871"/>
-      </p:ext>
-    </p:extLst>
-  </p:cSld>
-  <p:clrMapOvr>
-    <a:masterClrMapping/>
-  </p:clrMapOvr>
-  <p:timing>
-    <p:tnLst>
-      <p:par>
-        <p:cTn id="1" dur="indefinite" restart="never" nodeType="tmRoot"/>
-      </p:par>
-    </p:tnLst>
-  </p:timing>
-</p:sld>
-</file>
-
-<file path=ppt/slides/slide24.xml><?xml version="1.0" encoding="utf-8"?>
+<file path=ppt/slides/slide27.xml><?xml version="1.0" encoding="utf-8"?>
 <p:sld xmlns:a="http://schemas.openxmlformats.org/drawingml/2006/main" xmlns:r="http://schemas.openxmlformats.org/officeDocument/2006/relationships" xmlns:p="http://schemas.openxmlformats.org/presentationml/2006/main">
   <p:cSld>
     <p:spTree>
@@ -4948,7 +7507,7 @@
 </p:sld>
 </file>
 
-<file path=ppt/slides/slide25.xml><?xml version="1.0" encoding="utf-8"?>
+<file path=ppt/slides/slide28.xml><?xml version="1.0" encoding="utf-8"?>
 <p:sld xmlns:a="http://schemas.openxmlformats.org/drawingml/2006/main" xmlns:r="http://schemas.openxmlformats.org/officeDocument/2006/relationships" xmlns:p="http://schemas.openxmlformats.org/presentationml/2006/main">
   <p:cSld>
     <p:spTree>
@@ -5021,7 +7580,7 @@
 </p:sld>
 </file>
 
-<file path=ppt/slides/slide26.xml><?xml version="1.0" encoding="utf-8"?>
+<file path=ppt/slides/slide29.xml><?xml version="1.0" encoding="utf-8"?>
 <p:sld xmlns:a="http://schemas.openxmlformats.org/drawingml/2006/main" xmlns:r="http://schemas.openxmlformats.org/officeDocument/2006/relationships" xmlns:p="http://schemas.openxmlformats.org/presentationml/2006/main">
   <p:cSld>
     <p:spTree>
@@ -5159,7 +7718,126 @@
 </p:sld>
 </file>
 
-<file path=ppt/slides/slide27.xml><?xml version="1.0" encoding="utf-8"?>
+<file path=ppt/slides/slide3.xml><?xml version="1.0" encoding="utf-8"?>
+<p:sld xmlns:a="http://schemas.openxmlformats.org/drawingml/2006/main" xmlns:r="http://schemas.openxmlformats.org/officeDocument/2006/relationships" xmlns:p="http://schemas.openxmlformats.org/presentationml/2006/main">
+  <p:cSld>
+    <p:spTree>
+      <p:nvGrpSpPr>
+        <p:cNvPr id="1" name=""/>
+        <p:cNvGrpSpPr/>
+        <p:nvPr/>
+      </p:nvGrpSpPr>
+      <p:grpSpPr>
+        <a:xfrm>
+          <a:off x="0" y="0"/>
+          <a:ext cx="0" cy="0"/>
+          <a:chOff x="0" y="0"/>
+          <a:chExt cx="0" cy="0"/>
+        </a:xfrm>
+      </p:grpSpPr>
+      <p:sp>
+        <p:nvSpPr>
+          <p:cNvPr id="2" name="Titre 1"/>
+          <p:cNvSpPr>
+            <a:spLocks noGrp="1"/>
+          </p:cNvSpPr>
+          <p:nvPr>
+            <p:ph type="title"/>
+          </p:nvPr>
+        </p:nvSpPr>
+        <p:spPr/>
+        <p:txBody>
+          <a:bodyPr/>
+          <a:lstStyle/>
+          <a:p>
+            <a:r>
+              <a:rPr lang="fr-FR" dirty="0" err="1" smtClean="0"/>
+              <a:t>NachOS</a:t>
+            </a:r>
+            <a:r>
+              <a:rPr lang="fr-FR" dirty="0" smtClean="0"/>
+              <a:t>… c’est quoi ?</a:t>
+            </a:r>
+            <a:endParaRPr lang="fr-FR" dirty="0"/>
+          </a:p>
+        </p:txBody>
+      </p:sp>
+      <p:sp>
+        <p:nvSpPr>
+          <p:cNvPr id="3" name="Espace réservé du contenu 2"/>
+          <p:cNvSpPr>
+            <a:spLocks noGrp="1"/>
+          </p:cNvSpPr>
+          <p:nvPr>
+            <p:ph idx="1"/>
+          </p:nvPr>
+        </p:nvSpPr>
+        <p:spPr/>
+        <p:txBody>
+          <a:bodyPr/>
+          <a:lstStyle/>
+          <a:p>
+            <a:r>
+              <a:rPr lang="fr-FR" dirty="0" smtClean="0"/>
+              <a:t>Une simulation d’OS</a:t>
+            </a:r>
+          </a:p>
+          <a:p>
+            <a:pPr lvl="1"/>
+            <a:r>
+              <a:rPr lang="fr-FR" dirty="0" smtClean="0"/>
+              <a:t>Une machine MIPS</a:t>
+            </a:r>
+          </a:p>
+          <a:p>
+            <a:pPr lvl="1"/>
+            <a:r>
+              <a:rPr lang="fr-FR" dirty="0" smtClean="0"/>
+              <a:t>« Nous » avons le contrôle d’un processeur MIPS, de la mémoire…</a:t>
+            </a:r>
+          </a:p>
+          <a:p>
+            <a:pPr lvl="1"/>
+            <a:endParaRPr lang="fr-FR" sz="1800" b="1" i="1" dirty="0"/>
+          </a:p>
+          <a:p>
+            <a:pPr lvl="1"/>
+            <a:r>
+              <a:rPr lang="fr-FR" sz="1800" b="1" i="1" dirty="0" smtClean="0"/>
+              <a:t>Pour résumer, on contrôle la machine, nous voilà OS, alors même que </a:t>
+            </a:r>
+            <a:r>
+              <a:rPr lang="fr-FR" sz="1800" b="1" i="1" dirty="0" err="1" smtClean="0"/>
+              <a:t>nachOS</a:t>
+            </a:r>
+            <a:r>
+              <a:rPr lang="fr-FR" sz="1800" b="1" i="1" dirty="0" smtClean="0"/>
+              <a:t> n’est qu’un processus linux sur notre machine Host !</a:t>
+            </a:r>
+          </a:p>
+        </p:txBody>
+      </p:sp>
+    </p:spTree>
+    <p:extLst>
+      <p:ext uri="{BB962C8B-B14F-4D97-AF65-F5344CB8AC3E}">
+        <p14:creationId xmlns:p14="http://schemas.microsoft.com/office/powerpoint/2010/main" val="748242206"/>
+      </p:ext>
+    </p:extLst>
+  </p:cSld>
+  <p:clrMapOvr>
+    <a:masterClrMapping/>
+  </p:clrMapOvr>
+  <p:timing>
+    <p:tnLst>
+      <p:par>
+        <p:cTn id="1" dur="indefinite" restart="never" nodeType="tmRoot"/>
+      </p:par>
+    </p:tnLst>
+  </p:timing>
+</p:sld>
+</file>
+
+<file path=ppt/slides/slide30.xml><?xml version="1.0" encoding="utf-8"?>
 <p:sld xmlns:a="http://schemas.openxmlformats.org/drawingml/2006/main" xmlns:r="http://schemas.openxmlformats.org/officeDocument/2006/relationships" xmlns:p="http://schemas.openxmlformats.org/presentationml/2006/main">
   <p:cSld>
     <p:spTree>
@@ -5225,7 +7903,7 @@
 </p:sld>
 </file>
 
-<file path=ppt/slides/slide28.xml><?xml version="1.0" encoding="utf-8"?>
+<file path=ppt/slides/slide31.xml><?xml version="1.0" encoding="utf-8"?>
 <p:sld xmlns:a="http://schemas.openxmlformats.org/drawingml/2006/main" xmlns:r="http://schemas.openxmlformats.org/officeDocument/2006/relationships" xmlns:p="http://schemas.openxmlformats.org/presentationml/2006/main">
   <p:cSld>
     <p:spTree>
@@ -5306,125 +7984,6 @@
     <p:extLst>
       <p:ext uri="{BB962C8B-B14F-4D97-AF65-F5344CB8AC3E}">
         <p14:creationId xmlns:p14="http://schemas.microsoft.com/office/powerpoint/2010/main" val="3618245291"/>
-      </p:ext>
-    </p:extLst>
-  </p:cSld>
-  <p:clrMapOvr>
-    <a:masterClrMapping/>
-  </p:clrMapOvr>
-  <p:timing>
-    <p:tnLst>
-      <p:par>
-        <p:cTn id="1" dur="indefinite" restart="never" nodeType="tmRoot"/>
-      </p:par>
-    </p:tnLst>
-  </p:timing>
-</p:sld>
-</file>
-
-<file path=ppt/slides/slide3.xml><?xml version="1.0" encoding="utf-8"?>
-<p:sld xmlns:a="http://schemas.openxmlformats.org/drawingml/2006/main" xmlns:r="http://schemas.openxmlformats.org/officeDocument/2006/relationships" xmlns:p="http://schemas.openxmlformats.org/presentationml/2006/main">
-  <p:cSld>
-    <p:spTree>
-      <p:nvGrpSpPr>
-        <p:cNvPr id="1" name=""/>
-        <p:cNvGrpSpPr/>
-        <p:nvPr/>
-      </p:nvGrpSpPr>
-      <p:grpSpPr>
-        <a:xfrm>
-          <a:off x="0" y="0"/>
-          <a:ext cx="0" cy="0"/>
-          <a:chOff x="0" y="0"/>
-          <a:chExt cx="0" cy="0"/>
-        </a:xfrm>
-      </p:grpSpPr>
-      <p:sp>
-        <p:nvSpPr>
-          <p:cNvPr id="2" name="Titre 1"/>
-          <p:cNvSpPr>
-            <a:spLocks noGrp="1"/>
-          </p:cNvSpPr>
-          <p:nvPr>
-            <p:ph type="title"/>
-          </p:nvPr>
-        </p:nvSpPr>
-        <p:spPr/>
-        <p:txBody>
-          <a:bodyPr/>
-          <a:lstStyle/>
-          <a:p>
-            <a:r>
-              <a:rPr lang="fr-FR" dirty="0" err="1" smtClean="0"/>
-              <a:t>NachOS</a:t>
-            </a:r>
-            <a:r>
-              <a:rPr lang="fr-FR" dirty="0" smtClean="0"/>
-              <a:t>… c’est quoi ?</a:t>
-            </a:r>
-            <a:endParaRPr lang="fr-FR" dirty="0"/>
-          </a:p>
-        </p:txBody>
-      </p:sp>
-      <p:sp>
-        <p:nvSpPr>
-          <p:cNvPr id="3" name="Espace réservé du contenu 2"/>
-          <p:cNvSpPr>
-            <a:spLocks noGrp="1"/>
-          </p:cNvSpPr>
-          <p:nvPr>
-            <p:ph idx="1"/>
-          </p:nvPr>
-        </p:nvSpPr>
-        <p:spPr/>
-        <p:txBody>
-          <a:bodyPr/>
-          <a:lstStyle/>
-          <a:p>
-            <a:r>
-              <a:rPr lang="fr-FR" dirty="0" smtClean="0"/>
-              <a:t>Une simulation d’OS</a:t>
-            </a:r>
-          </a:p>
-          <a:p>
-            <a:pPr lvl="1"/>
-            <a:r>
-              <a:rPr lang="fr-FR" dirty="0" smtClean="0"/>
-              <a:t>Une machine MIPS</a:t>
-            </a:r>
-          </a:p>
-          <a:p>
-            <a:pPr lvl="1"/>
-            <a:r>
-              <a:rPr lang="fr-FR" dirty="0" smtClean="0"/>
-              <a:t>« Nous » avons le contrôle d’un processeur MIPS, de la mémoire…</a:t>
-            </a:r>
-          </a:p>
-          <a:p>
-            <a:pPr lvl="1"/>
-            <a:endParaRPr lang="fr-FR" sz="1800" b="1" i="1" dirty="0"/>
-          </a:p>
-          <a:p>
-            <a:pPr lvl="1"/>
-            <a:r>
-              <a:rPr lang="fr-FR" sz="1800" b="1" i="1" dirty="0" smtClean="0"/>
-              <a:t>Pour résumer, on contrôle la machine, nous voilà OS, alors même que </a:t>
-            </a:r>
-            <a:r>
-              <a:rPr lang="fr-FR" sz="1800" b="1" i="1" dirty="0" err="1" smtClean="0"/>
-              <a:t>nachOS</a:t>
-            </a:r>
-            <a:r>
-              <a:rPr lang="fr-FR" sz="1800" b="1" i="1" dirty="0" smtClean="0"/>
-              <a:t> n’est qu’un processus linux sur notre machine Host !</a:t>
-            </a:r>
-          </a:p>
-        </p:txBody>
-      </p:sp>
-    </p:spTree>
-    <p:extLst>
-      <p:ext uri="{BB962C8B-B14F-4D97-AF65-F5344CB8AC3E}">
-        <p14:creationId xmlns:p14="http://schemas.microsoft.com/office/powerpoint/2010/main" val="748242206"/>
       </p:ext>
     </p:extLst>
   </p:cSld>

--- a/rapport/sout_AAS.pptx
+++ b/rapport/sout_AAS.pptx
@@ -35,7 +35,8 @@
     <p:sldId id="283" r:id="rId29"/>
     <p:sldId id="280" r:id="rId30"/>
     <p:sldId id="281" r:id="rId31"/>
-    <p:sldId id="282" r:id="rId32"/>
+    <p:sldId id="290" r:id="rId32"/>
+    <p:sldId id="282" r:id="rId33"/>
   </p:sldIdLst>
   <p:sldSz cx="9144000" cy="6858000" type="screen4x3"/>
   <p:notesSz cx="6858000" cy="9144000"/>
@@ -324,7 +325,7 @@
           <a:p>
             <a:fld id="{AA309A6D-C09C-4548-B29A-6CF363A7E532}" type="datetimeFigureOut">
               <a:rPr lang="fr-FR" smtClean="0"/>
-              <a:t>04/04/2015</a:t>
+              <a:t>07/04/2015</a:t>
             </a:fld>
             <a:endParaRPr lang="fr-BE"/>
           </a:p>
@@ -489,7 +490,7 @@
           <a:p>
             <a:fld id="{AA309A6D-C09C-4548-B29A-6CF363A7E532}" type="datetimeFigureOut">
               <a:rPr lang="fr-FR" smtClean="0"/>
-              <a:t>04/04/2015</a:t>
+              <a:t>07/04/2015</a:t>
             </a:fld>
             <a:endParaRPr lang="fr-BE"/>
           </a:p>
@@ -664,7 +665,7 @@
           <a:p>
             <a:fld id="{AA309A6D-C09C-4548-B29A-6CF363A7E532}" type="datetimeFigureOut">
               <a:rPr lang="fr-FR" smtClean="0"/>
-              <a:t>04/04/2015</a:t>
+              <a:t>07/04/2015</a:t>
             </a:fld>
             <a:endParaRPr lang="fr-BE"/>
           </a:p>
@@ -829,7 +830,7 @@
           <a:p>
             <a:fld id="{AA309A6D-C09C-4548-B29A-6CF363A7E532}" type="datetimeFigureOut">
               <a:rPr lang="fr-FR" smtClean="0"/>
-              <a:t>04/04/2015</a:t>
+              <a:t>07/04/2015</a:t>
             </a:fld>
             <a:endParaRPr lang="fr-BE"/>
           </a:p>
@@ -1068,7 +1069,7 @@
           <a:p>
             <a:fld id="{AA309A6D-C09C-4548-B29A-6CF363A7E532}" type="datetimeFigureOut">
               <a:rPr lang="fr-FR" smtClean="0"/>
-              <a:t>04/04/2015</a:t>
+              <a:t>07/04/2015</a:t>
             </a:fld>
             <a:endParaRPr lang="fr-BE"/>
           </a:p>
@@ -1158,7 +1159,7 @@
           <a:p>
             <a:fld id="{AA309A6D-C09C-4548-B29A-6CF363A7E532}" type="datetimeFigureOut">
               <a:rPr lang="fr-FR" smtClean="0"/>
-              <a:t>04/04/2015</a:t>
+              <a:t>07/04/2015</a:t>
             </a:fld>
             <a:endParaRPr lang="fr-BE"/>
           </a:p>
@@ -1532,7 +1533,7 @@
           <a:p>
             <a:fld id="{AA309A6D-C09C-4548-B29A-6CF363A7E532}" type="datetimeFigureOut">
               <a:rPr lang="fr-FR" smtClean="0"/>
-              <a:t>04/04/2015</a:t>
+              <a:t>07/04/2015</a:t>
             </a:fld>
             <a:endParaRPr lang="fr-BE"/>
           </a:p>
@@ -1787,7 +1788,7 @@
           <a:p>
             <a:fld id="{AA309A6D-C09C-4548-B29A-6CF363A7E532}" type="datetimeFigureOut">
               <a:rPr lang="fr-FR" smtClean="0"/>
-              <a:t>04/04/2015</a:t>
+              <a:t>07/04/2015</a:t>
             </a:fld>
             <a:endParaRPr lang="fr-BE"/>
           </a:p>
@@ -1877,7 +1878,7 @@
           <a:p>
             <a:fld id="{AA309A6D-C09C-4548-B29A-6CF363A7E532}" type="datetimeFigureOut">
               <a:rPr lang="fr-FR" smtClean="0"/>
-              <a:t>04/04/2015</a:t>
+              <a:t>07/04/2015</a:t>
             </a:fld>
             <a:endParaRPr lang="fr-BE"/>
           </a:p>
@@ -2151,7 +2152,7 @@
           <a:p>
             <a:fld id="{AA309A6D-C09C-4548-B29A-6CF363A7E532}" type="datetimeFigureOut">
               <a:rPr lang="fr-FR" smtClean="0"/>
-              <a:t>04/04/2015</a:t>
+              <a:t>07/04/2015</a:t>
             </a:fld>
             <a:endParaRPr lang="fr-BE"/>
           </a:p>
@@ -2423,7 +2424,7 @@
           <a:p>
             <a:fld id="{AA309A6D-C09C-4548-B29A-6CF363A7E532}" type="datetimeFigureOut">
               <a:rPr lang="fr-FR" smtClean="0"/>
-              <a:t>04/04/2015</a:t>
+              <a:t>07/04/2015</a:t>
             </a:fld>
             <a:endParaRPr lang="fr-BE"/>
           </a:p>
@@ -2723,7 +2724,7 @@
           <a:p>
             <a:fld id="{AA309A6D-C09C-4548-B29A-6CF363A7E532}" type="datetimeFigureOut">
               <a:rPr lang="fr-FR" smtClean="0"/>
-              <a:t>04/04/2015</a:t>
+              <a:t>07/04/2015</a:t>
             </a:fld>
             <a:endParaRPr lang="fr-BE"/>
           </a:p>
@@ -7937,6 +7938,88 @@
           <a:p>
             <a:r>
               <a:rPr lang="fr-FR" dirty="0" smtClean="0"/>
+              <a:t>Planning</a:t>
+            </a:r>
+            <a:endParaRPr lang="fr-FR" dirty="0"/>
+          </a:p>
+        </p:txBody>
+      </p:sp>
+      <p:pic>
+        <p:nvPicPr>
+          <p:cNvPr id="4" name="Espace réservé du contenu 3"/>
+          <p:cNvPicPr>
+            <a:picLocks noGrp="1" noChangeAspect="1"/>
+          </p:cNvPicPr>
+          <p:nvPr>
+            <p:ph idx="1"/>
+          </p:nvPr>
+        </p:nvPicPr>
+        <p:blipFill>
+          <a:blip r:embed="rId2">
+            <a:extLst>
+              <a:ext uri="{28A0092B-C50C-407E-A947-70E740481C1C}">
+                <a14:useLocalDpi xmlns:a14="http://schemas.microsoft.com/office/drawing/2010/main" val="0"/>
+              </a:ext>
+            </a:extLst>
+          </a:blip>
+          <a:stretch>
+            <a:fillRect/>
+          </a:stretch>
+        </p:blipFill>
+        <p:spPr>
+          <a:xfrm>
+            <a:off x="125776" y="3501008"/>
+            <a:ext cx="8766704" cy="1952327"/>
+          </a:xfrm>
+        </p:spPr>
+      </p:pic>
+    </p:spTree>
+    <p:extLst>
+      <p:ext uri="{BB962C8B-B14F-4D97-AF65-F5344CB8AC3E}">
+        <p14:creationId xmlns:p14="http://schemas.microsoft.com/office/powerpoint/2010/main" val="3263328300"/>
+      </p:ext>
+    </p:extLst>
+  </p:cSld>
+  <p:clrMapOvr>
+    <a:masterClrMapping/>
+  </p:clrMapOvr>
+</p:sld>
+</file>
+
+<file path=ppt/slides/slide32.xml><?xml version="1.0" encoding="utf-8"?>
+<p:sld xmlns:a="http://schemas.openxmlformats.org/drawingml/2006/main" xmlns:r="http://schemas.openxmlformats.org/officeDocument/2006/relationships" xmlns:p="http://schemas.openxmlformats.org/presentationml/2006/main">
+  <p:cSld>
+    <p:spTree>
+      <p:nvGrpSpPr>
+        <p:cNvPr id="1" name=""/>
+        <p:cNvGrpSpPr/>
+        <p:nvPr/>
+      </p:nvGrpSpPr>
+      <p:grpSpPr>
+        <a:xfrm>
+          <a:off x="0" y="0"/>
+          <a:ext cx="0" cy="0"/>
+          <a:chOff x="0" y="0"/>
+          <a:chExt cx="0" cy="0"/>
+        </a:xfrm>
+      </p:grpSpPr>
+      <p:sp>
+        <p:nvSpPr>
+          <p:cNvPr id="2" name="Titre 1"/>
+          <p:cNvSpPr>
+            <a:spLocks noGrp="1"/>
+          </p:cNvSpPr>
+          <p:nvPr>
+            <p:ph type="title"/>
+          </p:nvPr>
+        </p:nvSpPr>
+        <p:spPr/>
+        <p:txBody>
+          <a:bodyPr/>
+          <a:lstStyle/>
+          <a:p>
+            <a:r>
+              <a:rPr lang="fr-FR" dirty="0" smtClean="0"/>
               <a:t>Bilan</a:t>
             </a:r>
             <a:endParaRPr lang="fr-FR" dirty="0"/>

--- a/rapport/sout_AAS.pptx
+++ b/rapport/sout_AAS.pptx
@@ -325,7 +325,7 @@
           <a:p>
             <a:fld id="{AA309A6D-C09C-4548-B29A-6CF363A7E532}" type="datetimeFigureOut">
               <a:rPr lang="fr-FR" smtClean="0"/>
-              <a:t>07/04/2015</a:t>
+              <a:t>08/04/2015</a:t>
             </a:fld>
             <a:endParaRPr lang="fr-BE"/>
           </a:p>
@@ -490,7 +490,7 @@
           <a:p>
             <a:fld id="{AA309A6D-C09C-4548-B29A-6CF363A7E532}" type="datetimeFigureOut">
               <a:rPr lang="fr-FR" smtClean="0"/>
-              <a:t>07/04/2015</a:t>
+              <a:t>08/04/2015</a:t>
             </a:fld>
             <a:endParaRPr lang="fr-BE"/>
           </a:p>
@@ -665,7 +665,7 @@
           <a:p>
             <a:fld id="{AA309A6D-C09C-4548-B29A-6CF363A7E532}" type="datetimeFigureOut">
               <a:rPr lang="fr-FR" smtClean="0"/>
-              <a:t>07/04/2015</a:t>
+              <a:t>08/04/2015</a:t>
             </a:fld>
             <a:endParaRPr lang="fr-BE"/>
           </a:p>
@@ -830,7 +830,7 @@
           <a:p>
             <a:fld id="{AA309A6D-C09C-4548-B29A-6CF363A7E532}" type="datetimeFigureOut">
               <a:rPr lang="fr-FR" smtClean="0"/>
-              <a:t>07/04/2015</a:t>
+              <a:t>08/04/2015</a:t>
             </a:fld>
             <a:endParaRPr lang="fr-BE"/>
           </a:p>
@@ -1069,7 +1069,7 @@
           <a:p>
             <a:fld id="{AA309A6D-C09C-4548-B29A-6CF363A7E532}" type="datetimeFigureOut">
               <a:rPr lang="fr-FR" smtClean="0"/>
-              <a:t>07/04/2015</a:t>
+              <a:t>08/04/2015</a:t>
             </a:fld>
             <a:endParaRPr lang="fr-BE"/>
           </a:p>
@@ -1159,7 +1159,7 @@
           <a:p>
             <a:fld id="{AA309A6D-C09C-4548-B29A-6CF363A7E532}" type="datetimeFigureOut">
               <a:rPr lang="fr-FR" smtClean="0"/>
-              <a:t>07/04/2015</a:t>
+              <a:t>08/04/2015</a:t>
             </a:fld>
             <a:endParaRPr lang="fr-BE"/>
           </a:p>
@@ -1533,7 +1533,7 @@
           <a:p>
             <a:fld id="{AA309A6D-C09C-4548-B29A-6CF363A7E532}" type="datetimeFigureOut">
               <a:rPr lang="fr-FR" smtClean="0"/>
-              <a:t>07/04/2015</a:t>
+              <a:t>08/04/2015</a:t>
             </a:fld>
             <a:endParaRPr lang="fr-BE"/>
           </a:p>
@@ -1788,7 +1788,7 @@
           <a:p>
             <a:fld id="{AA309A6D-C09C-4548-B29A-6CF363A7E532}" type="datetimeFigureOut">
               <a:rPr lang="fr-FR" smtClean="0"/>
-              <a:t>07/04/2015</a:t>
+              <a:t>08/04/2015</a:t>
             </a:fld>
             <a:endParaRPr lang="fr-BE"/>
           </a:p>
@@ -1878,7 +1878,7 @@
           <a:p>
             <a:fld id="{AA309A6D-C09C-4548-B29A-6CF363A7E532}" type="datetimeFigureOut">
               <a:rPr lang="fr-FR" smtClean="0"/>
-              <a:t>07/04/2015</a:t>
+              <a:t>08/04/2015</a:t>
             </a:fld>
             <a:endParaRPr lang="fr-BE"/>
           </a:p>
@@ -2152,7 +2152,7 @@
           <a:p>
             <a:fld id="{AA309A6D-C09C-4548-B29A-6CF363A7E532}" type="datetimeFigureOut">
               <a:rPr lang="fr-FR" smtClean="0"/>
-              <a:t>07/04/2015</a:t>
+              <a:t>08/04/2015</a:t>
             </a:fld>
             <a:endParaRPr lang="fr-BE"/>
           </a:p>
@@ -2424,7 +2424,7 @@
           <a:p>
             <a:fld id="{AA309A6D-C09C-4548-B29A-6CF363A7E532}" type="datetimeFigureOut">
               <a:rPr lang="fr-FR" smtClean="0"/>
-              <a:t>07/04/2015</a:t>
+              <a:t>08/04/2015</a:t>
             </a:fld>
             <a:endParaRPr lang="fr-BE"/>
           </a:p>
@@ -2724,7 +2724,7 @@
           <a:p>
             <a:fld id="{AA309A6D-C09C-4548-B29A-6CF363A7E532}" type="datetimeFigureOut">
               <a:rPr lang="fr-FR" smtClean="0"/>
-              <a:t>07/04/2015</a:t>
+              <a:t>08/04/2015</a:t>
             </a:fld>
             <a:endParaRPr lang="fr-BE"/>
           </a:p>
@@ -3369,7 +3369,7 @@
       </p:pic>
       <p:pic>
         <p:nvPicPr>
-          <p:cNvPr id="5" name="Image 4"/>
+          <p:cNvPr id="3" name="Image 2"/>
           <p:cNvPicPr>
             <a:picLocks noChangeAspect="1"/>
           </p:cNvPicPr>
@@ -3389,8 +3389,8 @@
         </p:blipFill>
         <p:spPr>
           <a:xfrm>
-            <a:off x="1115616" y="3715553"/>
-            <a:ext cx="7056784" cy="2936581"/>
+            <a:off x="1187624" y="3726161"/>
+            <a:ext cx="6695769" cy="2516850"/>
           </a:xfrm>
           <a:prstGeom prst="rect">
             <a:avLst/>
@@ -8052,7 +8052,15 @@
           <a:p>
             <a:r>
               <a:rPr lang="fr-FR" dirty="0" smtClean="0"/>
-              <a:t>Un aperçut de la « complexité » d’un OS, même sur cette simulation « simplifiée  »</a:t>
+              <a:t>Un </a:t>
+            </a:r>
+            <a:r>
+              <a:rPr lang="fr-FR" dirty="0" smtClean="0"/>
+              <a:t>aperçu </a:t>
+            </a:r>
+            <a:r>
+              <a:rPr lang="fr-FR" dirty="0" smtClean="0"/>
+              <a:t>de la « complexité » d’un OS, même sur cette simulation « simplifiée  »</a:t>
             </a:r>
           </a:p>
           <a:p>
@@ -8445,7 +8453,15 @@
           <a:p>
             <a:r>
               <a:rPr lang="fr-FR" dirty="0" smtClean="0"/>
-              <a:t>Chaque instruction d’un programme utilisateur est compilé pour le processeur MIPS</a:t>
+              <a:t>Chaque instruction d’un programme utilisateur est </a:t>
+            </a:r>
+            <a:r>
+              <a:rPr lang="fr-FR" dirty="0" smtClean="0"/>
+              <a:t>compilée </a:t>
+            </a:r>
+            <a:r>
+              <a:rPr lang="fr-FR" dirty="0" smtClean="0"/>
+              <a:t>pour le processeur MIPS</a:t>
             </a:r>
           </a:p>
           <a:p>
@@ -8474,7 +8490,15 @@
             <a:pPr lvl="1"/>
             <a:r>
               <a:rPr lang="fr-FR" dirty="0" smtClean="0"/>
-              <a:t>Exception récupérée par un Handler, qui exécutera un flot d’instruction associé au SYSCALL.</a:t>
+              <a:t>Exception récupérée par un Handler, qui exécutera un flot </a:t>
+            </a:r>
+            <a:r>
+              <a:rPr lang="fr-FR" dirty="0" smtClean="0"/>
+              <a:t>d’instructions </a:t>
+            </a:r>
+            <a:r>
+              <a:rPr lang="fr-FR" dirty="0" smtClean="0"/>
+              <a:t>associé au SYSCALL.</a:t>
             </a:r>
           </a:p>
           <a:p>
